--- a/Presentation/Presentation_TB_Mickael_Bonjour.pptx
+++ b/Presentation/Presentation_TB_Mickael_Bonjour.pptx
@@ -5,7 +5,7 @@
     <p:sldMasterId id="2147483648" r:id="rId1"/>
   </p:sldMasterIdLst>
   <p:notesMasterIdLst>
-    <p:notesMasterId r:id="rId34"/>
+    <p:notesMasterId r:id="rId38"/>
   </p:notesMasterIdLst>
   <p:sldIdLst>
     <p:sldId id="256" r:id="rId2"/>
@@ -29,17 +29,21 @@
     <p:sldId id="269" r:id="rId20"/>
     <p:sldId id="281" r:id="rId21"/>
     <p:sldId id="280" r:id="rId22"/>
-    <p:sldId id="282" r:id="rId23"/>
-    <p:sldId id="283" r:id="rId24"/>
-    <p:sldId id="270" r:id="rId25"/>
-    <p:sldId id="285" r:id="rId26"/>
-    <p:sldId id="286" r:id="rId27"/>
-    <p:sldId id="262" r:id="rId28"/>
-    <p:sldId id="271" r:id="rId29"/>
-    <p:sldId id="272" r:id="rId30"/>
-    <p:sldId id="263" r:id="rId31"/>
-    <p:sldId id="288" r:id="rId32"/>
-    <p:sldId id="289" r:id="rId33"/>
+    <p:sldId id="291" r:id="rId23"/>
+    <p:sldId id="282" r:id="rId24"/>
+    <p:sldId id="283" r:id="rId25"/>
+    <p:sldId id="270" r:id="rId26"/>
+    <p:sldId id="285" r:id="rId27"/>
+    <p:sldId id="286" r:id="rId28"/>
+    <p:sldId id="262" r:id="rId29"/>
+    <p:sldId id="271" r:id="rId30"/>
+    <p:sldId id="272" r:id="rId31"/>
+    <p:sldId id="263" r:id="rId32"/>
+    <p:sldId id="288" r:id="rId33"/>
+    <p:sldId id="292" r:id="rId34"/>
+    <p:sldId id="294" r:id="rId35"/>
+    <p:sldId id="293" r:id="rId36"/>
+    <p:sldId id="289" r:id="rId37"/>
   </p:sldIdLst>
   <p:sldSz cx="12192000" cy="6858000"/>
   <p:notesSz cx="7104063" cy="10234613"/>
@@ -146,6 +150,41 @@
 </p:presentation>
 </file>
 
+<file path=ppt/commentAuthors.xml><?xml version="1.0" encoding="utf-8"?>
+<p:cmAuthorLst xmlns:a="http://schemas.openxmlformats.org/drawingml/2006/main" xmlns:r="http://schemas.openxmlformats.org/officeDocument/2006/relationships" xmlns:p="http://schemas.openxmlformats.org/presentationml/2006/main">
+  <p:cmAuthor id="1" name="Mickael Bonjour" initials="MB" lastIdx="2" clrIdx="0">
+    <p:extLst>
+      <p:ext uri="{19B8F6BF-5375-455C-9EA6-DF929625EA0E}">
+        <p15:presenceInfo xmlns:p15="http://schemas.microsoft.com/office/powerpoint/2012/main" userId="168370e08c020288" providerId="Windows Live"/>
+      </p:ext>
+    </p:extLst>
+  </p:cmAuthor>
+</p:cmAuthorLst>
+</file>
+
+<file path=ppt/comments/comment1.xml><?xml version="1.0" encoding="utf-8"?>
+<p:cmLst xmlns:a="http://schemas.openxmlformats.org/drawingml/2006/main" xmlns:r="http://schemas.openxmlformats.org/officeDocument/2006/relationships" xmlns:p="http://schemas.openxmlformats.org/presentationml/2006/main">
+  <p:cm authorId="1" dt="2020-08-19T00:21:12.096" idx="1">
+    <p:pos x="1914" y="1666"/>
+    <p:text>à modifier ou spécifier</p:text>
+    <p:extLst>
+      <p:ext uri="{C676402C-5697-4E1C-873F-D02D1690AC5C}">
+        <p15:threadingInfo xmlns:p15="http://schemas.microsoft.com/office/powerpoint/2012/main" timeZoneBias="-120"/>
+      </p:ext>
+    </p:extLst>
+  </p:cm>
+  <p:cm authorId="1" dt="2020-08-19T00:21:20.467" idx="2">
+    <p:pos x="10" y="10"/>
+    <p:text/>
+    <p:extLst>
+      <p:ext uri="{C676402C-5697-4E1C-873F-D02D1690AC5C}">
+        <p15:threadingInfo xmlns:p15="http://schemas.microsoft.com/office/powerpoint/2012/main" timeZoneBias="-120"/>
+      </p:ext>
+    </p:extLst>
+  </p:cm>
+</p:cmLst>
+</file>
+
 <file path=ppt/notesMasters/notesMaster1.xml><?xml version="1.0" encoding="utf-8"?>
 <p:notesMaster xmlns:a="http://schemas.openxmlformats.org/drawingml/2006/main" xmlns:r="http://schemas.openxmlformats.org/officeDocument/2006/relationships" xmlns:p="http://schemas.openxmlformats.org/presentationml/2006/main">
   <p:cSld>
@@ -228,7 +267,7 @@
           <a:p>
             <a:fld id="{885FA97B-C4FE-4B09-A82B-41CAFA406B7F}" type="datetimeFigureOut">
               <a:rPr lang="en-CH" smtClean="0"/>
-              <a:t>18/08/2020</a:t>
+              <a:t>21/08/2020</a:t>
             </a:fld>
             <a:endParaRPr lang="en-CH"/>
           </a:p>
@@ -589,6 +628,412 @@
 </p:notes>
 </file>
 
+<file path=ppt/notesSlides/notesSlide10.xml><?xml version="1.0" encoding="utf-8"?>
+<p:notes xmlns:a="http://schemas.openxmlformats.org/drawingml/2006/main" xmlns:r="http://schemas.openxmlformats.org/officeDocument/2006/relationships" xmlns:p="http://schemas.openxmlformats.org/presentationml/2006/main">
+  <p:cSld>
+    <p:spTree>
+      <p:nvGrpSpPr>
+        <p:cNvPr id="1" name=""/>
+        <p:cNvGrpSpPr/>
+        <p:nvPr/>
+      </p:nvGrpSpPr>
+      <p:grpSpPr>
+        <a:xfrm>
+          <a:off x="0" y="0"/>
+          <a:ext cx="0" cy="0"/>
+          <a:chOff x="0" y="0"/>
+          <a:chExt cx="0" cy="0"/>
+        </a:xfrm>
+      </p:grpSpPr>
+      <p:sp>
+        <p:nvSpPr>
+          <p:cNvPr id="2" name="Espace réservé de l'image des diapositives 1"/>
+          <p:cNvSpPr>
+            <a:spLocks noGrp="1" noRot="1" noChangeAspect="1"/>
+          </p:cNvSpPr>
+          <p:nvPr>
+            <p:ph type="sldImg"/>
+          </p:nvPr>
+        </p:nvSpPr>
+        <p:spPr/>
+      </p:sp>
+      <p:sp>
+        <p:nvSpPr>
+          <p:cNvPr id="3" name="Espace réservé des notes 2"/>
+          <p:cNvSpPr>
+            <a:spLocks noGrp="1"/>
+          </p:cNvSpPr>
+          <p:nvPr>
+            <p:ph type="body" idx="1"/>
+          </p:nvPr>
+        </p:nvSpPr>
+        <p:spPr/>
+        <p:txBody>
+          <a:bodyPr/>
+          <a:lstStyle/>
+          <a:p>
+            <a:r>
+              <a:rPr lang="fr-FR" dirty="0"/>
+              <a:t>Peut-être mise en place d’une sérialisation du message avec pièces jointes au sein du message etc…</a:t>
+            </a:r>
+          </a:p>
+        </p:txBody>
+      </p:sp>
+      <p:sp>
+        <p:nvSpPr>
+          <p:cNvPr id="4" name="Espace réservé du numéro de diapositive 3"/>
+          <p:cNvSpPr>
+            <a:spLocks noGrp="1"/>
+          </p:cNvSpPr>
+          <p:nvPr>
+            <p:ph type="sldNum" sz="quarter" idx="5"/>
+          </p:nvPr>
+        </p:nvSpPr>
+        <p:spPr/>
+        <p:txBody>
+          <a:bodyPr/>
+          <a:lstStyle/>
+          <a:p>
+            <a:fld id="{E6C7026F-F64B-4761-9E04-46EBD28B6971}" type="slidenum">
+              <a:rPr lang="en-CH" smtClean="0"/>
+              <a:t>30</a:t>
+            </a:fld>
+            <a:endParaRPr lang="en-CH"/>
+          </a:p>
+        </p:txBody>
+      </p:sp>
+    </p:spTree>
+    <p:extLst>
+      <p:ext uri="{BB962C8B-B14F-4D97-AF65-F5344CB8AC3E}">
+        <p14:creationId xmlns:p14="http://schemas.microsoft.com/office/powerpoint/2010/main" val="154215707"/>
+      </p:ext>
+    </p:extLst>
+  </p:cSld>
+  <p:clrMapOvr>
+    <a:masterClrMapping/>
+  </p:clrMapOvr>
+</p:notes>
+</file>
+
+<file path=ppt/notesSlides/notesSlide11.xml><?xml version="1.0" encoding="utf-8"?>
+<p:notes xmlns:a="http://schemas.openxmlformats.org/drawingml/2006/main" xmlns:r="http://schemas.openxmlformats.org/officeDocument/2006/relationships" xmlns:p="http://schemas.openxmlformats.org/presentationml/2006/main">
+  <p:cSld>
+    <p:spTree>
+      <p:nvGrpSpPr>
+        <p:cNvPr id="1" name=""/>
+        <p:cNvGrpSpPr/>
+        <p:nvPr/>
+      </p:nvGrpSpPr>
+      <p:grpSpPr>
+        <a:xfrm>
+          <a:off x="0" y="0"/>
+          <a:ext cx="0" cy="0"/>
+          <a:chOff x="0" y="0"/>
+          <a:chExt cx="0" cy="0"/>
+        </a:xfrm>
+      </p:grpSpPr>
+      <p:sp>
+        <p:nvSpPr>
+          <p:cNvPr id="2" name="Espace réservé de l'image des diapositives 1"/>
+          <p:cNvSpPr>
+            <a:spLocks noGrp="1" noRot="1" noChangeAspect="1"/>
+          </p:cNvSpPr>
+          <p:nvPr>
+            <p:ph type="sldImg"/>
+          </p:nvPr>
+        </p:nvSpPr>
+        <p:spPr/>
+      </p:sp>
+      <p:sp>
+        <p:nvSpPr>
+          <p:cNvPr id="3" name="Espace réservé des notes 2"/>
+          <p:cNvSpPr>
+            <a:spLocks noGrp="1"/>
+          </p:cNvSpPr>
+          <p:nvPr>
+            <p:ph type="body" idx="1"/>
+          </p:nvPr>
+        </p:nvSpPr>
+        <p:spPr/>
+        <p:txBody>
+          <a:bodyPr/>
+          <a:lstStyle/>
+          <a:p>
+            <a:r>
+              <a:rPr lang="fr-FR" dirty="0"/>
+              <a:t>Travaux futurs pour aboutir à un système sécurisé et complet, mise en place de KGC globaux répliqués ou par domaine / région / TLD, …</a:t>
+            </a:r>
+          </a:p>
+        </p:txBody>
+      </p:sp>
+      <p:sp>
+        <p:nvSpPr>
+          <p:cNvPr id="4" name="Espace réservé du numéro de diapositive 3"/>
+          <p:cNvSpPr>
+            <a:spLocks noGrp="1"/>
+          </p:cNvSpPr>
+          <p:nvPr>
+            <p:ph type="sldNum" sz="quarter" idx="5"/>
+          </p:nvPr>
+        </p:nvSpPr>
+        <p:spPr/>
+        <p:txBody>
+          <a:bodyPr/>
+          <a:lstStyle/>
+          <a:p>
+            <a:fld id="{E6C7026F-F64B-4761-9E04-46EBD28B6971}" type="slidenum">
+              <a:rPr lang="en-CH" smtClean="0"/>
+              <a:t>31</a:t>
+            </a:fld>
+            <a:endParaRPr lang="en-CH"/>
+          </a:p>
+        </p:txBody>
+      </p:sp>
+    </p:spTree>
+    <p:extLst>
+      <p:ext uri="{BB962C8B-B14F-4D97-AF65-F5344CB8AC3E}">
+        <p14:creationId xmlns:p14="http://schemas.microsoft.com/office/powerpoint/2010/main" val="1810364674"/>
+      </p:ext>
+    </p:extLst>
+  </p:cSld>
+  <p:clrMapOvr>
+    <a:masterClrMapping/>
+  </p:clrMapOvr>
+</p:notes>
+</file>
+
+<file path=ppt/notesSlides/notesSlide12.xml><?xml version="1.0" encoding="utf-8"?>
+<p:notes xmlns:a="http://schemas.openxmlformats.org/drawingml/2006/main" xmlns:r="http://schemas.openxmlformats.org/officeDocument/2006/relationships" xmlns:p="http://schemas.openxmlformats.org/presentationml/2006/main">
+  <p:cSld>
+    <p:spTree>
+      <p:nvGrpSpPr>
+        <p:cNvPr id="1" name=""/>
+        <p:cNvGrpSpPr/>
+        <p:nvPr/>
+      </p:nvGrpSpPr>
+      <p:grpSpPr>
+        <a:xfrm>
+          <a:off x="0" y="0"/>
+          <a:ext cx="0" cy="0"/>
+          <a:chOff x="0" y="0"/>
+          <a:chExt cx="0" cy="0"/>
+        </a:xfrm>
+      </p:grpSpPr>
+      <p:sp>
+        <p:nvSpPr>
+          <p:cNvPr id="2" name="Espace réservé de l'image des diapositives 1"/>
+          <p:cNvSpPr>
+            <a:spLocks noGrp="1" noRot="1" noChangeAspect="1"/>
+          </p:cNvSpPr>
+          <p:nvPr>
+            <p:ph type="sldImg"/>
+          </p:nvPr>
+        </p:nvSpPr>
+        <p:spPr/>
+      </p:sp>
+      <p:sp>
+        <p:nvSpPr>
+          <p:cNvPr id="3" name="Espace réservé des notes 2"/>
+          <p:cNvSpPr>
+            <a:spLocks noGrp="1"/>
+          </p:cNvSpPr>
+          <p:nvPr>
+            <p:ph type="body" idx="1"/>
+          </p:nvPr>
+        </p:nvSpPr>
+        <p:spPr/>
+        <p:txBody>
+          <a:bodyPr/>
+          <a:lstStyle/>
+          <a:p>
+            <a:r>
+              <a:rPr lang="fr-FR" dirty="0"/>
+              <a:t>Taille pour chaque destinataire en plus env. :  1.1 ko (pour PGP c’est plus 300bytes) mais pas de signature sur la clé</a:t>
+            </a:r>
+          </a:p>
+          <a:p>
+            <a:endParaRPr lang="fr-FR" dirty="0"/>
+          </a:p>
+          <a:p>
+            <a:r>
+              <a:rPr lang="fr-FR" dirty="0"/>
+              <a:t>Peut-être il faudrait repenser la construction et plus s’inspirer de PGP pour la construction de la signature et du message, dans tout les cas par destinataire au minimum avec cette primitive la taille par destinataire sera de 9ko</a:t>
+            </a:r>
+          </a:p>
+        </p:txBody>
+      </p:sp>
+      <p:sp>
+        <p:nvSpPr>
+          <p:cNvPr id="4" name="Espace réservé du numéro de diapositive 3"/>
+          <p:cNvSpPr>
+            <a:spLocks noGrp="1"/>
+          </p:cNvSpPr>
+          <p:nvPr>
+            <p:ph type="sldNum" sz="quarter" idx="5"/>
+          </p:nvPr>
+        </p:nvSpPr>
+        <p:spPr/>
+        <p:txBody>
+          <a:bodyPr/>
+          <a:lstStyle/>
+          <a:p>
+            <a:fld id="{E6C7026F-F64B-4761-9E04-46EBD28B6971}" type="slidenum">
+              <a:rPr lang="en-CH" smtClean="0"/>
+              <a:t>32</a:t>
+            </a:fld>
+            <a:endParaRPr lang="en-CH"/>
+          </a:p>
+        </p:txBody>
+      </p:sp>
+    </p:spTree>
+    <p:extLst>
+      <p:ext uri="{BB962C8B-B14F-4D97-AF65-F5344CB8AC3E}">
+        <p14:creationId xmlns:p14="http://schemas.microsoft.com/office/powerpoint/2010/main" val="1424552381"/>
+      </p:ext>
+    </p:extLst>
+  </p:cSld>
+  <p:clrMapOvr>
+    <a:masterClrMapping/>
+  </p:clrMapOvr>
+</p:notes>
+</file>
+
+<file path=ppt/notesSlides/notesSlide13.xml><?xml version="1.0" encoding="utf-8"?>
+<p:notes xmlns:a="http://schemas.openxmlformats.org/drawingml/2006/main" xmlns:r="http://schemas.openxmlformats.org/officeDocument/2006/relationships" xmlns:p="http://schemas.openxmlformats.org/presentationml/2006/main">
+  <p:cSld>
+    <p:spTree>
+      <p:nvGrpSpPr>
+        <p:cNvPr id="1" name=""/>
+        <p:cNvGrpSpPr/>
+        <p:nvPr/>
+      </p:nvGrpSpPr>
+      <p:grpSpPr>
+        <a:xfrm>
+          <a:off x="0" y="0"/>
+          <a:ext cx="0" cy="0"/>
+          <a:chOff x="0" y="0"/>
+          <a:chExt cx="0" cy="0"/>
+        </a:xfrm>
+      </p:grpSpPr>
+      <p:sp>
+        <p:nvSpPr>
+          <p:cNvPr id="2" name="Espace réservé de l'image des diapositives 1"/>
+          <p:cNvSpPr>
+            <a:spLocks noGrp="1" noRot="1" noChangeAspect="1"/>
+          </p:cNvSpPr>
+          <p:nvPr>
+            <p:ph type="sldImg"/>
+          </p:nvPr>
+        </p:nvSpPr>
+        <p:spPr/>
+      </p:sp>
+      <p:sp>
+        <p:nvSpPr>
+          <p:cNvPr id="3" name="Espace réservé des notes 2"/>
+          <p:cNvSpPr>
+            <a:spLocks noGrp="1"/>
+          </p:cNvSpPr>
+          <p:nvPr>
+            <p:ph type="body" idx="1"/>
+          </p:nvPr>
+        </p:nvSpPr>
+        <p:spPr/>
+        <p:txBody>
+          <a:bodyPr/>
+          <a:lstStyle/>
+          <a:p>
+            <a:r>
+              <a:rPr lang="fr-FR" dirty="0"/>
+              <a:t>Pour que ce travail soit réellement plus complet il faut retravailler la construction et essayer de rapprocher de PGP ou de trouver un autre moyen pour l’envoi à de multiples destinataires. En effet, la construction actuelle n’est pas optimale et ne permet peut-être pas d’avoir une bonne gestion des multiples destinataires.</a:t>
+            </a:r>
+          </a:p>
+          <a:p>
+            <a:r>
+              <a:rPr lang="fr-FR" dirty="0"/>
+              <a:t>Donc il faudrait retravailler la construction de la signature, bien qu’une signature de la clé pourrait être correcte. (</a:t>
+            </a:r>
+            <a:r>
+              <a:rPr lang="fr-FR" dirty="0" err="1"/>
+              <a:t>Encrypt</a:t>
+            </a:r>
+            <a:r>
+              <a:rPr lang="fr-FR" dirty="0"/>
+              <a:t>-the-</a:t>
+            </a:r>
+            <a:r>
+              <a:rPr lang="fr-FR" dirty="0" err="1"/>
+              <a:t>Sign</a:t>
+            </a:r>
+            <a:r>
+              <a:rPr lang="fr-FR" dirty="0"/>
+              <a:t> vs </a:t>
+            </a:r>
+            <a:r>
+              <a:rPr lang="fr-FR" dirty="0" err="1"/>
+              <a:t>Sign-then-Encrypt</a:t>
+            </a:r>
+            <a:r>
+              <a:rPr lang="fr-FR" dirty="0"/>
+              <a:t>)</a:t>
+            </a:r>
+          </a:p>
+          <a:p>
+            <a:r>
+              <a:rPr lang="fr-FR" dirty="0"/>
+              <a:t>-&gt; Je m’en veux de pas avoir fait suffisamment de recherches à ce sujet, j’aurais dû me rendre compte que la plupart du temp le </a:t>
+            </a:r>
+            <a:r>
+              <a:rPr lang="fr-FR" dirty="0" err="1"/>
+              <a:t>sign-then-encrypt</a:t>
+            </a:r>
+            <a:r>
+              <a:rPr lang="fr-FR" dirty="0"/>
+              <a:t> est utilisé et aurait dû l’utiliser aussi, pas que ma construction soit mauvaise à mon avis, mais elle aurait pu être plus « standard » (On a vu les problème amené à cause de ça (</a:t>
+            </a:r>
+            <a:r>
+              <a:rPr lang="fr-FR"/>
+              <a:t>entres autres) dans PGP pour EFAIL.</a:t>
+            </a:r>
+            <a:endParaRPr lang="fr-FR" dirty="0"/>
+          </a:p>
+        </p:txBody>
+      </p:sp>
+      <p:sp>
+        <p:nvSpPr>
+          <p:cNvPr id="4" name="Espace réservé du numéro de diapositive 3"/>
+          <p:cNvSpPr>
+            <a:spLocks noGrp="1"/>
+          </p:cNvSpPr>
+          <p:nvPr>
+            <p:ph type="sldNum" sz="quarter" idx="5"/>
+          </p:nvPr>
+        </p:nvSpPr>
+        <p:spPr/>
+        <p:txBody>
+          <a:bodyPr/>
+          <a:lstStyle/>
+          <a:p>
+            <a:fld id="{E6C7026F-F64B-4761-9E04-46EBD28B6971}" type="slidenum">
+              <a:rPr lang="en-CH" smtClean="0"/>
+              <a:t>34</a:t>
+            </a:fld>
+            <a:endParaRPr lang="en-CH"/>
+          </a:p>
+        </p:txBody>
+      </p:sp>
+    </p:spTree>
+    <p:extLst>
+      <p:ext uri="{BB962C8B-B14F-4D97-AF65-F5344CB8AC3E}">
+        <p14:creationId xmlns:p14="http://schemas.microsoft.com/office/powerpoint/2010/main" val="2979447576"/>
+      </p:ext>
+    </p:extLst>
+  </p:cSld>
+  <p:clrMapOvr>
+    <a:masterClrMapping/>
+  </p:clrMapOvr>
+</p:notes>
+</file>
+
 <file path=ppt/notesSlides/notesSlide2.xml><?xml version="1.0" encoding="utf-8"?>
 <p:notes xmlns:a="http://schemas.openxmlformats.org/drawingml/2006/main" xmlns:r="http://schemas.openxmlformats.org/officeDocument/2006/relationships" xmlns:p="http://schemas.openxmlformats.org/presentationml/2006/main">
   <p:cSld>
@@ -633,18 +1078,30 @@
           <a:bodyPr/>
           <a:lstStyle/>
           <a:p>
-            <a:r>
-              <a:rPr lang="fr-FR" dirty="0"/>
-              <a:t>Présenter les différentes attaques sur PGP et SMIME -&gt; EFAIL, </a:t>
-            </a:r>
-            <a:r>
-              <a:rPr lang="fr-FR" dirty="0" err="1"/>
-              <a:t>webmail</a:t>
-            </a:r>
-            <a:r>
-              <a:rPr lang="fr-FR" dirty="0"/>
-              <a:t> et simplicité d’utilisation</a:t>
-            </a:r>
+            <a:pPr marL="0" marR="0" lvl="0" indent="0" algn="l" defTabSz="914400" rtl="0" eaLnBrk="1" fontAlgn="auto" latinLnBrk="0" hangingPunct="1">
+              <a:lnSpc>
+                <a:spcPct val="100000"/>
+              </a:lnSpc>
+              <a:spcBef>
+                <a:spcPts val="0"/>
+              </a:spcBef>
+              <a:spcAft>
+                <a:spcPts val="0"/>
+              </a:spcAft>
+              <a:buClrTx/>
+              <a:buSzTx/>
+              <a:buFontTx/>
+              <a:buNone/>
+              <a:tabLst/>
+              <a:defRPr/>
+            </a:pPr>
+            <a:r>
+              <a:rPr lang="fr-FR" dirty="0"/>
+              <a:t>Prise en charge (Google -&gt; G-Suite)</a:t>
+            </a:r>
+          </a:p>
+          <a:p>
+            <a:endParaRPr lang="fr-FR" dirty="0"/>
           </a:p>
         </p:txBody>
       </p:sp>
@@ -665,7 +1122,7 @@
           <a:p>
             <a:fld id="{E6C7026F-F64B-4761-9E04-46EBD28B6971}" type="slidenum">
               <a:rPr lang="en-CH" smtClean="0"/>
-              <a:t>9</a:t>
+              <a:t>5</a:t>
             </a:fld>
             <a:endParaRPr lang="en-CH"/>
           </a:p>
@@ -674,7 +1131,7 @@
     </p:spTree>
     <p:extLst>
       <p:ext uri="{BB962C8B-B14F-4D97-AF65-F5344CB8AC3E}">
-        <p14:creationId xmlns:p14="http://schemas.microsoft.com/office/powerpoint/2010/main" val="3094928498"/>
+        <p14:creationId xmlns:p14="http://schemas.microsoft.com/office/powerpoint/2010/main" val="3469290478"/>
       </p:ext>
     </p:extLst>
   </p:cSld>
@@ -729,8 +1186,14 @@
           <a:lstStyle/>
           <a:p>
             <a:r>
-              <a:rPr lang="fr-CH" dirty="0"/>
-              <a:t>Ici mettre des exemples (schémas et commentaires)</a:t>
+              <a:rPr lang="fr-FR" dirty="0"/>
+              <a:t>Sécurité forte à définir ou à modifier</a:t>
+            </a:r>
+          </a:p>
+          <a:p>
+            <a:r>
+              <a:rPr lang="fr-FR" dirty="0"/>
+              <a:t>- Utilisation globale -&gt; possibilité de chiffrer des documents et autres</a:t>
             </a:r>
           </a:p>
         </p:txBody>
@@ -752,7 +1215,7 @@
           <a:p>
             <a:fld id="{E6C7026F-F64B-4761-9E04-46EBD28B6971}" type="slidenum">
               <a:rPr lang="en-CH" smtClean="0"/>
-              <a:t>15</a:t>
+              <a:t>6</a:t>
             </a:fld>
             <a:endParaRPr lang="en-CH"/>
           </a:p>
@@ -761,7 +1224,7 @@
     </p:spTree>
     <p:extLst>
       <p:ext uri="{BB962C8B-B14F-4D97-AF65-F5344CB8AC3E}">
-        <p14:creationId xmlns:p14="http://schemas.microsoft.com/office/powerpoint/2010/main" val="1508902769"/>
+        <p14:creationId xmlns:p14="http://schemas.microsoft.com/office/powerpoint/2010/main" val="2266062760"/>
       </p:ext>
     </p:extLst>
   </p:cSld>
@@ -836,7 +1299,7 @@
           <a:p>
             <a:fld id="{E6C7026F-F64B-4761-9E04-46EBD28B6971}" type="slidenum">
               <a:rPr lang="en-CH" smtClean="0"/>
-              <a:t>16</a:t>
+              <a:t>8</a:t>
             </a:fld>
             <a:endParaRPr lang="en-CH"/>
           </a:p>
@@ -845,7 +1308,7 @@
     </p:spTree>
     <p:extLst>
       <p:ext uri="{BB962C8B-B14F-4D97-AF65-F5344CB8AC3E}">
-        <p14:creationId xmlns:p14="http://schemas.microsoft.com/office/powerpoint/2010/main" val="3452182681"/>
+        <p14:creationId xmlns:p14="http://schemas.microsoft.com/office/powerpoint/2010/main" val="3092335025"/>
       </p:ext>
     </p:extLst>
   </p:cSld>
@@ -901,68 +1364,15 @@
           <a:p>
             <a:r>
               <a:rPr lang="fr-FR" dirty="0"/>
-              <a:t>RELIC – </a:t>
+              <a:t>Présenter les différentes attaques sur PGP et SMIME -&gt; EFAIL, </a:t>
             </a:r>
             <a:r>
               <a:rPr lang="fr-FR" dirty="0" err="1"/>
-              <a:t>Really</a:t>
-            </a:r>
-            <a:r>
-              <a:rPr lang="fr-FR" dirty="0"/>
-              <a:t> Efficient </a:t>
-            </a:r>
-            <a:r>
-              <a:rPr lang="fr-FR" dirty="0" err="1"/>
-              <a:t>Cryptography</a:t>
-            </a:r>
-            <a:r>
-              <a:rPr lang="fr-FR" dirty="0"/>
-              <a:t> </a:t>
-            </a:r>
-            <a:r>
-              <a:rPr lang="fr-FR" dirty="0" err="1"/>
-              <a:t>library</a:t>
-            </a:r>
-            <a:r>
-              <a:rPr lang="fr-FR" dirty="0"/>
-              <a:t>, La plus adéquate pour des recherches ou des </a:t>
-            </a:r>
-            <a:r>
-              <a:rPr lang="fr-FR" dirty="0" err="1"/>
-              <a:t>POCs</a:t>
-            </a:r>
-            <a:r>
-              <a:rPr lang="fr-FR" dirty="0"/>
-              <a:t>, permet d’utiliser beaucoup de primitives cryptographiques dont l’utilisation de </a:t>
-            </a:r>
-            <a:r>
-              <a:rPr lang="fr-FR" dirty="0" err="1"/>
-              <a:t>pairings</a:t>
-            </a:r>
-            <a:r>
-              <a:rPr lang="fr-FR" dirty="0"/>
-              <a:t>. Pas de documentation pour l’utiliser et se former mais des exemples sont présents, personnellement je me suis inspiré de l’exemple des BLS signatures pour l’utilisation des </a:t>
-            </a:r>
-            <a:r>
-              <a:rPr lang="fr-FR" dirty="0" err="1"/>
-              <a:t>pairings</a:t>
-            </a:r>
-            <a:r>
-              <a:rPr lang="fr-FR" dirty="0"/>
-              <a:t> et autres.</a:t>
-            </a:r>
-          </a:p>
-          <a:p>
-            <a:endParaRPr lang="fr-FR" dirty="0"/>
-          </a:p>
-          <a:p>
-            <a:r>
-              <a:rPr lang="fr-FR" dirty="0" err="1"/>
-              <a:t>Binn</a:t>
-            </a:r>
-            <a:r>
-              <a:rPr lang="fr-FR" dirty="0"/>
-              <a:t> -&gt; Librairie permettant une sérialisation binaire pour la transmission de données structurées. </a:t>
+              <a:t>webmail</a:t>
+            </a:r>
+            <a:r>
+              <a:rPr lang="fr-FR" dirty="0"/>
+              <a:t> et simplicité d’utilisation</a:t>
             </a:r>
           </a:p>
         </p:txBody>
@@ -984,7 +1394,7 @@
           <a:p>
             <a:fld id="{E6C7026F-F64B-4761-9E04-46EBD28B6971}" type="slidenum">
               <a:rPr lang="en-CH" smtClean="0"/>
-              <a:t>20</a:t>
+              <a:t>9</a:t>
             </a:fld>
             <a:endParaRPr lang="en-CH"/>
           </a:p>
@@ -993,7 +1403,7 @@
     </p:spTree>
     <p:extLst>
       <p:ext uri="{BB962C8B-B14F-4D97-AF65-F5344CB8AC3E}">
-        <p14:creationId xmlns:p14="http://schemas.microsoft.com/office/powerpoint/2010/main" val="1561105614"/>
+        <p14:creationId xmlns:p14="http://schemas.microsoft.com/office/powerpoint/2010/main" val="3094928498"/>
       </p:ext>
     </p:extLst>
   </p:cSld>
@@ -1048,8 +1458,8 @@
           <a:lstStyle/>
           <a:p>
             <a:r>
-              <a:rPr lang="fr-FR" dirty="0"/>
-              <a:t>Peut-être mise en place d’une sérialisation du message avec pièces jointes au sein du message etc…</a:t>
+              <a:rPr lang="fr-CH" dirty="0"/>
+              <a:t>Ici mettre des exemples (schémas et commentaires)</a:t>
             </a:r>
           </a:p>
         </p:txBody>
@@ -1071,7 +1481,7 @@
           <a:p>
             <a:fld id="{E6C7026F-F64B-4761-9E04-46EBD28B6971}" type="slidenum">
               <a:rPr lang="en-CH" smtClean="0"/>
-              <a:t>29</a:t>
+              <a:t>15</a:t>
             </a:fld>
             <a:endParaRPr lang="en-CH"/>
           </a:p>
@@ -1080,7 +1490,7 @@
     </p:spTree>
     <p:extLst>
       <p:ext uri="{BB962C8B-B14F-4D97-AF65-F5344CB8AC3E}">
-        <p14:creationId xmlns:p14="http://schemas.microsoft.com/office/powerpoint/2010/main" val="154215707"/>
+        <p14:creationId xmlns:p14="http://schemas.microsoft.com/office/powerpoint/2010/main" val="1508902769"/>
       </p:ext>
     </p:extLst>
   </p:cSld>
@@ -1134,10 +1544,7 @@
           <a:bodyPr/>
           <a:lstStyle/>
           <a:p>
-            <a:r>
-              <a:rPr lang="fr-FR" dirty="0"/>
-              <a:t>Travaux futurs pour aboutir à un système sécurisé et complet, mise en place de KGC globaux répliqués ou par domaine / région / TLD, …</a:t>
-            </a:r>
+            <a:endParaRPr lang="fr-FR" dirty="0"/>
           </a:p>
         </p:txBody>
       </p:sp>
@@ -1158,7 +1565,7 @@
           <a:p>
             <a:fld id="{E6C7026F-F64B-4761-9E04-46EBD28B6971}" type="slidenum">
               <a:rPr lang="en-CH" smtClean="0"/>
-              <a:t>30</a:t>
+              <a:t>16</a:t>
             </a:fld>
             <a:endParaRPr lang="en-CH"/>
           </a:p>
@@ -1167,7 +1574,258 @@
     </p:spTree>
     <p:extLst>
       <p:ext uri="{BB962C8B-B14F-4D97-AF65-F5344CB8AC3E}">
-        <p14:creationId xmlns:p14="http://schemas.microsoft.com/office/powerpoint/2010/main" val="1810364674"/>
+        <p14:creationId xmlns:p14="http://schemas.microsoft.com/office/powerpoint/2010/main" val="3452182681"/>
+      </p:ext>
+    </p:extLst>
+  </p:cSld>
+  <p:clrMapOvr>
+    <a:masterClrMapping/>
+  </p:clrMapOvr>
+</p:notes>
+</file>
+
+<file path=ppt/notesSlides/notesSlide8.xml><?xml version="1.0" encoding="utf-8"?>
+<p:notes xmlns:a="http://schemas.openxmlformats.org/drawingml/2006/main" xmlns:r="http://schemas.openxmlformats.org/officeDocument/2006/relationships" xmlns:p="http://schemas.openxmlformats.org/presentationml/2006/main">
+  <p:cSld>
+    <p:spTree>
+      <p:nvGrpSpPr>
+        <p:cNvPr id="1" name=""/>
+        <p:cNvGrpSpPr/>
+        <p:nvPr/>
+      </p:nvGrpSpPr>
+      <p:grpSpPr>
+        <a:xfrm>
+          <a:off x="0" y="0"/>
+          <a:ext cx="0" cy="0"/>
+          <a:chOff x="0" y="0"/>
+          <a:chExt cx="0" cy="0"/>
+        </a:xfrm>
+      </p:grpSpPr>
+      <p:sp>
+        <p:nvSpPr>
+          <p:cNvPr id="2" name="Espace réservé de l'image des diapositives 1"/>
+          <p:cNvSpPr>
+            <a:spLocks noGrp="1" noRot="1" noChangeAspect="1"/>
+          </p:cNvSpPr>
+          <p:nvPr>
+            <p:ph type="sldImg"/>
+          </p:nvPr>
+        </p:nvSpPr>
+        <p:spPr/>
+      </p:sp>
+      <p:sp>
+        <p:nvSpPr>
+          <p:cNvPr id="3" name="Espace réservé des notes 2"/>
+          <p:cNvSpPr>
+            <a:spLocks noGrp="1"/>
+          </p:cNvSpPr>
+          <p:nvPr>
+            <p:ph type="body" idx="1"/>
+          </p:nvPr>
+        </p:nvSpPr>
+        <p:spPr/>
+        <p:txBody>
+          <a:bodyPr/>
+          <a:lstStyle/>
+          <a:p>
+            <a:r>
+              <a:rPr lang="fr-FR" dirty="0"/>
+              <a:t>RELIC – </a:t>
+            </a:r>
+            <a:r>
+              <a:rPr lang="fr-FR" dirty="0" err="1"/>
+              <a:t>Really</a:t>
+            </a:r>
+            <a:r>
+              <a:rPr lang="fr-FR" dirty="0"/>
+              <a:t> Efficient </a:t>
+            </a:r>
+            <a:r>
+              <a:rPr lang="fr-FR" dirty="0" err="1"/>
+              <a:t>Cryptography</a:t>
+            </a:r>
+            <a:r>
+              <a:rPr lang="fr-FR" dirty="0"/>
+              <a:t> </a:t>
+            </a:r>
+            <a:r>
+              <a:rPr lang="fr-FR" dirty="0" err="1"/>
+              <a:t>library</a:t>
+            </a:r>
+            <a:r>
+              <a:rPr lang="fr-FR" dirty="0"/>
+              <a:t>, La plus adéquate pour des recherches ou des </a:t>
+            </a:r>
+            <a:r>
+              <a:rPr lang="fr-FR" dirty="0" err="1"/>
+              <a:t>POCs</a:t>
+            </a:r>
+            <a:r>
+              <a:rPr lang="fr-FR" dirty="0"/>
+              <a:t>, permet d’utiliser beaucoup de primitives cryptographiques dont l’utilisation de </a:t>
+            </a:r>
+            <a:r>
+              <a:rPr lang="fr-FR" dirty="0" err="1"/>
+              <a:t>pairings</a:t>
+            </a:r>
+            <a:r>
+              <a:rPr lang="fr-FR" dirty="0"/>
+              <a:t>. Pas de documentation pour l’utiliser et se former mais des exemples sont présents, personnellement je me suis inspiré de l’exemple des BLS signatures pour l’utilisation des </a:t>
+            </a:r>
+            <a:r>
+              <a:rPr lang="fr-FR" dirty="0" err="1"/>
+              <a:t>pairings</a:t>
+            </a:r>
+            <a:r>
+              <a:rPr lang="fr-FR" dirty="0"/>
+              <a:t> et autres.</a:t>
+            </a:r>
+          </a:p>
+          <a:p>
+            <a:endParaRPr lang="fr-FR" dirty="0"/>
+          </a:p>
+          <a:p>
+            <a:r>
+              <a:rPr lang="fr-FR" dirty="0" err="1"/>
+              <a:t>Binn</a:t>
+            </a:r>
+            <a:r>
+              <a:rPr lang="fr-FR" dirty="0"/>
+              <a:t> -&gt; Librairie permettant une sérialisation binaire pour la transmission de données structurées. </a:t>
+            </a:r>
+          </a:p>
+        </p:txBody>
+      </p:sp>
+      <p:sp>
+        <p:nvSpPr>
+          <p:cNvPr id="4" name="Espace réservé du numéro de diapositive 3"/>
+          <p:cNvSpPr>
+            <a:spLocks noGrp="1"/>
+          </p:cNvSpPr>
+          <p:nvPr>
+            <p:ph type="sldNum" sz="quarter" idx="5"/>
+          </p:nvPr>
+        </p:nvSpPr>
+        <p:spPr/>
+        <p:txBody>
+          <a:bodyPr/>
+          <a:lstStyle/>
+          <a:p>
+            <a:fld id="{E6C7026F-F64B-4761-9E04-46EBD28B6971}" type="slidenum">
+              <a:rPr lang="en-CH" smtClean="0"/>
+              <a:t>20</a:t>
+            </a:fld>
+            <a:endParaRPr lang="en-CH"/>
+          </a:p>
+        </p:txBody>
+      </p:sp>
+    </p:spTree>
+    <p:extLst>
+      <p:ext uri="{BB962C8B-B14F-4D97-AF65-F5344CB8AC3E}">
+        <p14:creationId xmlns:p14="http://schemas.microsoft.com/office/powerpoint/2010/main" val="1561105614"/>
+      </p:ext>
+    </p:extLst>
+  </p:cSld>
+  <p:clrMapOvr>
+    <a:masterClrMapping/>
+  </p:clrMapOvr>
+</p:notes>
+</file>
+
+<file path=ppt/notesSlides/notesSlide9.xml><?xml version="1.0" encoding="utf-8"?>
+<p:notes xmlns:a="http://schemas.openxmlformats.org/drawingml/2006/main" xmlns:r="http://schemas.openxmlformats.org/officeDocument/2006/relationships" xmlns:p="http://schemas.openxmlformats.org/presentationml/2006/main">
+  <p:cSld>
+    <p:spTree>
+      <p:nvGrpSpPr>
+        <p:cNvPr id="1" name=""/>
+        <p:cNvGrpSpPr/>
+        <p:nvPr/>
+      </p:nvGrpSpPr>
+      <p:grpSpPr>
+        <a:xfrm>
+          <a:off x="0" y="0"/>
+          <a:ext cx="0" cy="0"/>
+          <a:chOff x="0" y="0"/>
+          <a:chExt cx="0" cy="0"/>
+        </a:xfrm>
+      </p:grpSpPr>
+      <p:sp>
+        <p:nvSpPr>
+          <p:cNvPr id="2" name="Espace réservé de l'image des diapositives 1"/>
+          <p:cNvSpPr>
+            <a:spLocks noGrp="1" noRot="1" noChangeAspect="1"/>
+          </p:cNvSpPr>
+          <p:nvPr>
+            <p:ph type="sldImg"/>
+          </p:nvPr>
+        </p:nvSpPr>
+        <p:spPr/>
+      </p:sp>
+      <p:sp>
+        <p:nvSpPr>
+          <p:cNvPr id="3" name="Espace réservé des notes 2"/>
+          <p:cNvSpPr>
+            <a:spLocks noGrp="1"/>
+          </p:cNvSpPr>
+          <p:nvPr>
+            <p:ph type="body" idx="1"/>
+          </p:nvPr>
+        </p:nvSpPr>
+        <p:spPr/>
+        <p:txBody>
+          <a:bodyPr/>
+          <a:lstStyle/>
+          <a:p>
+            <a:r>
+              <a:rPr lang="fr-FR" dirty="0"/>
+              <a:t>Besoin d’envoyer à chaque destinataire un </a:t>
+            </a:r>
+            <a:r>
+              <a:rPr lang="fr-FR" dirty="0" err="1"/>
+              <a:t>ciphertextKey</a:t>
+            </a:r>
+            <a:r>
+              <a:rPr lang="fr-FR" dirty="0"/>
+              <a:t> et une signature différente tandis que le </a:t>
+            </a:r>
+            <a:r>
+              <a:rPr lang="fr-FR" dirty="0" err="1"/>
+              <a:t>ciuphertextMessage</a:t>
+            </a:r>
+            <a:r>
+              <a:rPr lang="fr-FR" dirty="0"/>
+              <a:t> peut être global</a:t>
+            </a:r>
+          </a:p>
+        </p:txBody>
+      </p:sp>
+      <p:sp>
+        <p:nvSpPr>
+          <p:cNvPr id="4" name="Espace réservé du numéro de diapositive 3"/>
+          <p:cNvSpPr>
+            <a:spLocks noGrp="1"/>
+          </p:cNvSpPr>
+          <p:nvPr>
+            <p:ph type="sldNum" sz="quarter" idx="5"/>
+          </p:nvPr>
+        </p:nvSpPr>
+        <p:spPr/>
+        <p:txBody>
+          <a:bodyPr/>
+          <a:lstStyle/>
+          <a:p>
+            <a:fld id="{E6C7026F-F64B-4761-9E04-46EBD28B6971}" type="slidenum">
+              <a:rPr lang="en-CH" smtClean="0"/>
+              <a:t>22</a:t>
+            </a:fld>
+            <a:endParaRPr lang="en-CH"/>
+          </a:p>
+        </p:txBody>
+      </p:sp>
+    </p:spTree>
+    <p:extLst>
+      <p:ext uri="{BB962C8B-B14F-4D97-AF65-F5344CB8AC3E}">
+        <p14:creationId xmlns:p14="http://schemas.microsoft.com/office/powerpoint/2010/main" val="3879766962"/>
       </p:ext>
     </p:extLst>
   </p:cSld>
@@ -1308,7 +1966,7 @@
           <a:p>
             <a:fld id="{638941B0-F4D5-4460-BCAD-F7E2B41A8257}" type="datetimeFigureOut">
               <a:rPr lang="de-DE" smtClean="0"/>
-              <a:t>18.08.2020</a:t>
+              <a:t>21.08.2020</a:t>
             </a:fld>
             <a:endParaRPr lang="de-DE"/>
           </a:p>
@@ -1514,7 +2172,7 @@
           <a:p>
             <a:fld id="{638941B0-F4D5-4460-BCAD-F7E2B41A8257}" type="datetimeFigureOut">
               <a:rPr lang="de-DE" smtClean="0"/>
-              <a:t>18.08.2020</a:t>
+              <a:t>21.08.2020</a:t>
             </a:fld>
             <a:endParaRPr lang="de-DE"/>
           </a:p>
@@ -1694,7 +2352,7 @@
           <a:p>
             <a:fld id="{638941B0-F4D5-4460-BCAD-F7E2B41A8257}" type="datetimeFigureOut">
               <a:rPr lang="de-DE" smtClean="0"/>
-              <a:t>18.08.2020</a:t>
+              <a:t>21.08.2020</a:t>
             </a:fld>
             <a:endParaRPr lang="de-DE"/>
           </a:p>
@@ -1864,7 +2522,7 @@
           <a:p>
             <a:fld id="{638941B0-F4D5-4460-BCAD-F7E2B41A8257}" type="datetimeFigureOut">
               <a:rPr lang="de-DE" smtClean="0"/>
-              <a:t>18.08.2020</a:t>
+              <a:t>21.08.2020</a:t>
             </a:fld>
             <a:endParaRPr lang="de-DE"/>
           </a:p>
@@ -2149,7 +2807,7 @@
           <a:p>
             <a:fld id="{638941B0-F4D5-4460-BCAD-F7E2B41A8257}" type="datetimeFigureOut">
               <a:rPr lang="de-DE" smtClean="0"/>
-              <a:t>18.08.2020</a:t>
+              <a:t>21.08.2020</a:t>
             </a:fld>
             <a:endParaRPr lang="de-DE"/>
           </a:p>
@@ -2417,7 +3075,7 @@
           <a:p>
             <a:fld id="{638941B0-F4D5-4460-BCAD-F7E2B41A8257}" type="datetimeFigureOut">
               <a:rPr lang="de-DE" smtClean="0"/>
-              <a:t>18.08.2020</a:t>
+              <a:t>21.08.2020</a:t>
             </a:fld>
             <a:endParaRPr lang="de-DE"/>
           </a:p>
@@ -2784,7 +3442,7 @@
           <a:p>
             <a:fld id="{638941B0-F4D5-4460-BCAD-F7E2B41A8257}" type="datetimeFigureOut">
               <a:rPr lang="de-DE" smtClean="0"/>
-              <a:t>18.08.2020</a:t>
+              <a:t>21.08.2020</a:t>
             </a:fld>
             <a:endParaRPr lang="de-DE"/>
           </a:p>
@@ -2902,7 +3560,7 @@
           <a:p>
             <a:fld id="{638941B0-F4D5-4460-BCAD-F7E2B41A8257}" type="datetimeFigureOut">
               <a:rPr lang="de-DE" smtClean="0"/>
-              <a:t>18.08.2020</a:t>
+              <a:t>21.08.2020</a:t>
             </a:fld>
             <a:endParaRPr lang="de-DE"/>
           </a:p>
@@ -2997,7 +3655,7 @@
           <a:p>
             <a:fld id="{638941B0-F4D5-4460-BCAD-F7E2B41A8257}" type="datetimeFigureOut">
               <a:rPr lang="de-DE" smtClean="0"/>
-              <a:t>18.08.2020</a:t>
+              <a:t>21.08.2020</a:t>
             </a:fld>
             <a:endParaRPr lang="de-DE"/>
           </a:p>
@@ -3274,7 +3932,7 @@
           <a:p>
             <a:fld id="{638941B0-F4D5-4460-BCAD-F7E2B41A8257}" type="datetimeFigureOut">
               <a:rPr lang="de-DE" smtClean="0"/>
-              <a:t>18.08.2020</a:t>
+              <a:t>21.08.2020</a:t>
             </a:fld>
             <a:endParaRPr lang="de-DE"/>
           </a:p>
@@ -3527,7 +4185,7 @@
           <a:p>
             <a:fld id="{638941B0-F4D5-4460-BCAD-F7E2B41A8257}" type="datetimeFigureOut">
               <a:rPr lang="de-DE" smtClean="0"/>
-              <a:t>18.08.2020</a:t>
+              <a:t>21.08.2020</a:t>
             </a:fld>
             <a:endParaRPr lang="de-DE"/>
           </a:p>
@@ -3740,7 +4398,7 @@
           <a:p>
             <a:fld id="{638941B0-F4D5-4460-BCAD-F7E2B41A8257}" type="datetimeFigureOut">
               <a:rPr lang="de-DE" smtClean="0"/>
-              <a:t>18.08.2020</a:t>
+              <a:t>21.08.2020</a:t>
             </a:fld>
             <a:endParaRPr lang="de-DE"/>
           </a:p>
@@ -4341,33 +4999,54 @@
             <p:ph idx="1"/>
           </p:nvPr>
         </p:nvSpPr>
-        <p:spPr/>
-        <p:txBody>
-          <a:bodyPr/>
-          <a:lstStyle/>
-          <a:p>
-            <a:r>
-              <a:rPr lang="fr-FR" dirty="0"/>
-              <a:t>ID PKC</a:t>
-            </a:r>
-          </a:p>
-          <a:p>
+        <p:spPr>
+          <a:xfrm>
+            <a:off x="838200" y="2144303"/>
+            <a:ext cx="10515600" cy="2569394"/>
+          </a:xfrm>
+        </p:spPr>
+        <p:txBody>
+          <a:bodyPr/>
+          <a:lstStyle/>
+          <a:p>
+            <a:r>
+              <a:rPr lang="fr-FR" dirty="0"/>
+              <a:t>Identity </a:t>
+            </a:r>
+            <a:r>
+              <a:rPr lang="fr-FR" dirty="0" err="1"/>
+              <a:t>based</a:t>
+            </a:r>
+            <a:r>
+              <a:rPr lang="fr-FR" dirty="0"/>
+              <a:t> </a:t>
+            </a:r>
+            <a:r>
+              <a:rPr lang="fr-FR" dirty="0" err="1"/>
+              <a:t>encryption</a:t>
+            </a:r>
             <a:endParaRPr lang="fr-FR" dirty="0"/>
           </a:p>
           <a:p>
+            <a:endParaRPr lang="fr-FR" dirty="0"/>
+          </a:p>
+          <a:p>
             <a:r>
               <a:rPr lang="fr-FR" dirty="0" err="1"/>
-              <a:t>Hierarchical</a:t>
-            </a:r>
-            <a:r>
-              <a:rPr lang="fr-FR" dirty="0"/>
-              <a:t> ID </a:t>
+              <a:t>Forward</a:t>
+            </a:r>
+            <a:r>
+              <a:rPr lang="fr-FR" dirty="0"/>
+              <a:t>-Secure Public-Key </a:t>
             </a:r>
             <a:r>
               <a:rPr lang="fr-FR" dirty="0" err="1"/>
-              <a:t>Based</a:t>
-            </a:r>
-            <a:endParaRPr lang="fr-FR" dirty="0"/>
+              <a:t>Encryption</a:t>
+            </a:r>
+            <a:r>
+              <a:rPr lang="fr-FR" dirty="0"/>
+              <a:t> Scheme</a:t>
+            </a:r>
           </a:p>
           <a:p>
             <a:endParaRPr lang="fr-FR" dirty="0"/>
@@ -4458,7 +5137,12 @@
             <p:ph idx="1"/>
           </p:nvPr>
         </p:nvSpPr>
-        <p:spPr/>
+        <p:spPr>
+          <a:xfrm>
+            <a:off x="838200" y="2141537"/>
+            <a:ext cx="10515600" cy="4351338"/>
+          </a:xfrm>
+        </p:spPr>
         <p:txBody>
           <a:bodyPr/>
           <a:lstStyle/>
@@ -4503,6 +5187,24 @@
               <a:rPr lang="fr-FR" dirty="0"/>
               <a:t>Niveau de sécurité équivalent au CA</a:t>
             </a:r>
+          </a:p>
+          <a:p>
+            <a:endParaRPr lang="fr-FR" dirty="0"/>
+          </a:p>
+          <a:p>
+            <a:r>
+              <a:rPr lang="fr-FR" dirty="0"/>
+              <a:t>Sans le problème de </a:t>
+            </a:r>
+            <a:r>
+              <a:rPr lang="fr-FR" i="1" dirty="0"/>
+              <a:t>key-</a:t>
+            </a:r>
+            <a:r>
+              <a:rPr lang="fr-FR" i="1" dirty="0" err="1"/>
+              <a:t>escrow</a:t>
+            </a:r>
+            <a:endParaRPr lang="fr-FR" i="1" dirty="0"/>
           </a:p>
         </p:txBody>
       </p:sp>
@@ -4680,7 +5382,12 @@
             <p:ph idx="1"/>
           </p:nvPr>
         </p:nvSpPr>
-        <p:spPr/>
+        <p:spPr>
+          <a:xfrm>
+            <a:off x="838200" y="2376609"/>
+            <a:ext cx="10515600" cy="4351338"/>
+          </a:xfrm>
+        </p:spPr>
         <p:txBody>
           <a:bodyPr/>
           <a:lstStyle/>
@@ -4719,7 +5426,26 @@
             <a:endParaRPr lang="fr-FR" dirty="0"/>
           </a:p>
           <a:p>
-            <a:endParaRPr lang="fr-FR" dirty="0"/>
+            <a:r>
+              <a:rPr lang="fr-FR" dirty="0"/>
+              <a:t>Pseudo </a:t>
+            </a:r>
+            <a:r>
+              <a:rPr lang="fr-FR" dirty="0" err="1"/>
+              <a:t>Forward</a:t>
+            </a:r>
+            <a:r>
+              <a:rPr lang="fr-FR" dirty="0"/>
+              <a:t> </a:t>
+            </a:r>
+            <a:r>
+              <a:rPr lang="fr-FR" dirty="0" err="1"/>
+              <a:t>Secrecy</a:t>
+            </a:r>
+            <a:r>
+              <a:rPr lang="fr-FR" dirty="0"/>
+              <a:t> à ajouter</a:t>
+            </a:r>
           </a:p>
         </p:txBody>
       </p:sp>
@@ -4979,8 +5705,8 @@
         </p:blipFill>
         <p:spPr>
           <a:xfrm>
-            <a:off x="3896646" y="1825625"/>
-            <a:ext cx="4398708" cy="4351338"/>
+            <a:off x="3539613" y="1602030"/>
+            <a:ext cx="4944090" cy="4890846"/>
           </a:xfrm>
         </p:spPr>
       </p:pic>
@@ -5066,8 +5792,8 @@
         </p:blipFill>
         <p:spPr>
           <a:xfrm>
-            <a:off x="3910196" y="1825625"/>
-            <a:ext cx="4371608" cy="4351338"/>
+            <a:off x="3582336" y="1430980"/>
+            <a:ext cx="5027327" cy="5004017"/>
           </a:xfrm>
         </p:spPr>
       </p:pic>
@@ -5505,7 +6231,12 @@
             <p:ph idx="1"/>
           </p:nvPr>
         </p:nvSpPr>
-        <p:spPr/>
+        <p:spPr>
+          <a:xfrm>
+            <a:off x="838200" y="2247397"/>
+            <a:ext cx="10515600" cy="4351338"/>
+          </a:xfrm>
+        </p:spPr>
         <p:txBody>
           <a:bodyPr/>
           <a:lstStyle/>
@@ -5565,7 +6296,7 @@
         </p:blipFill>
         <p:spPr>
           <a:xfrm>
-            <a:off x="7495554" y="1403853"/>
+            <a:off x="7349833" y="1825625"/>
             <a:ext cx="2129604" cy="843544"/>
           </a:xfrm>
           <a:prstGeom prst="rect">
@@ -5601,7 +6332,7 @@
         </p:blipFill>
         <p:spPr>
           <a:xfrm>
-            <a:off x="5074509" y="3748994"/>
+            <a:off x="5074508" y="4188832"/>
             <a:ext cx="4550649" cy="1109221"/>
           </a:xfrm>
           <a:prstGeom prst="rect">
@@ -5726,76 +6457,45 @@
           <a:chExt cx="0" cy="0"/>
         </a:xfrm>
       </p:grpSpPr>
-      <p:sp>
-        <p:nvSpPr>
-          <p:cNvPr id="2" name="Titre 1">
+      <p:pic>
+        <p:nvPicPr>
+          <p:cNvPr id="5" name="Espace réservé du contenu 4" descr="Une image contenant capture d’écran&#10;&#10;Description générée automatiquement">
             <a:extLst>
               <a:ext uri="{FF2B5EF4-FFF2-40B4-BE49-F238E27FC236}">
-                <a16:creationId xmlns:a16="http://schemas.microsoft.com/office/drawing/2014/main" id="{A4955E34-22E8-4A42-9864-3F0BE14EEC4B}"/>
+                <a16:creationId xmlns:a16="http://schemas.microsoft.com/office/drawing/2014/main" id="{FF6DAD6D-ADAB-4607-B138-E3019DB48172}"/>
               </a:ext>
             </a:extLst>
           </p:cNvPr>
-          <p:cNvSpPr>
-            <a:spLocks noGrp="1"/>
-          </p:cNvSpPr>
-          <p:nvPr>
-            <p:ph type="title"/>
-          </p:nvPr>
-        </p:nvSpPr>
-        <p:spPr/>
-        <p:txBody>
-          <a:bodyPr/>
-          <a:lstStyle/>
-          <a:p>
-            <a:r>
-              <a:rPr lang="fr-FR" dirty="0"/>
-              <a:t>Pseudo </a:t>
-            </a:r>
-            <a:r>
-              <a:rPr lang="fr-FR" dirty="0" err="1"/>
-              <a:t>Forward</a:t>
-            </a:r>
-            <a:r>
-              <a:rPr lang="fr-FR" dirty="0"/>
-              <a:t> </a:t>
-            </a:r>
-            <a:r>
-              <a:rPr lang="fr-FR" dirty="0" err="1"/>
-              <a:t>Secrecy</a:t>
-            </a:r>
-            <a:endParaRPr lang="fr-FR" dirty="0"/>
-          </a:p>
-        </p:txBody>
-      </p:sp>
-      <p:sp>
-        <p:nvSpPr>
-          <p:cNvPr id="3" name="Espace réservé du contenu 2">
+          <p:cNvPicPr>
+            <a:picLocks noGrp="1" noChangeAspect="1"/>
+          </p:cNvPicPr>
+          <p:nvPr>
+            <p:ph idx="1"/>
+          </p:nvPr>
+        </p:nvPicPr>
+        <p:blipFill>
+          <a:blip r:embed="rId3">
             <a:extLst>
-              <a:ext uri="{FF2B5EF4-FFF2-40B4-BE49-F238E27FC236}">
-                <a16:creationId xmlns:a16="http://schemas.microsoft.com/office/drawing/2014/main" id="{AECA186B-4E0A-47C4-A836-68458FA08463}"/>
+              <a:ext uri="{28A0092B-C50C-407E-A947-70E740481C1C}">
+                <a14:useLocalDpi xmlns:a14="http://schemas.microsoft.com/office/drawing/2010/main" val="0"/>
               </a:ext>
             </a:extLst>
-          </p:cNvPr>
-          <p:cNvSpPr>
-            <a:spLocks noGrp="1"/>
-          </p:cNvSpPr>
-          <p:nvPr>
-            <p:ph idx="1"/>
-          </p:nvPr>
-        </p:nvSpPr>
-        <p:spPr/>
-        <p:txBody>
-          <a:bodyPr/>
-          <a:lstStyle/>
-          <a:p>
-            <a:endParaRPr lang="fr-FR" dirty="0"/>
-          </a:p>
-        </p:txBody>
-      </p:sp>
+          </a:blip>
+          <a:stretch>
+            <a:fillRect/>
+          </a:stretch>
+        </p:blipFill>
+        <p:spPr>
+          <a:xfrm>
+            <a:off x="2455756" y="923293"/>
+            <a:ext cx="7280487" cy="5011413"/>
+          </a:xfrm>
+        </p:spPr>
+      </p:pic>
     </p:spTree>
     <p:extLst>
       <p:ext uri="{BB962C8B-B14F-4D97-AF65-F5344CB8AC3E}">
-        <p14:creationId xmlns:p14="http://schemas.microsoft.com/office/powerpoint/2010/main" val="3201435194"/>
+        <p14:creationId xmlns:p14="http://schemas.microsoft.com/office/powerpoint/2010/main" val="1910602092"/>
       </p:ext>
     </p:extLst>
   </p:cSld>
@@ -5827,7 +6527,7 @@
           <p:cNvPr id="2" name="Titre 1">
             <a:extLst>
               <a:ext uri="{FF2B5EF4-FFF2-40B4-BE49-F238E27FC236}">
-                <a16:creationId xmlns:a16="http://schemas.microsoft.com/office/drawing/2014/main" id="{C8BC8FB8-0420-4469-9B24-9A96C951F1B4}"/>
+                <a16:creationId xmlns:a16="http://schemas.microsoft.com/office/drawing/2014/main" id="{A4955E34-22E8-4A42-9864-3F0BE14EEC4B}"/>
               </a:ext>
             </a:extLst>
           </p:cNvPr>
@@ -5845,40 +6545,363 @@
           <a:p>
             <a:r>
               <a:rPr lang="fr-FR" dirty="0"/>
-              <a:t>Sérialisation</a:t>
-            </a:r>
-          </a:p>
-        </p:txBody>
-      </p:sp>
-      <p:sp>
-        <p:nvSpPr>
-          <p:cNvPr id="3" name="Espace réservé du contenu 2">
+              <a:t>Pseudo </a:t>
+            </a:r>
+            <a:r>
+              <a:rPr lang="fr-FR" dirty="0" err="1"/>
+              <a:t>Forward</a:t>
+            </a:r>
+            <a:r>
+              <a:rPr lang="fr-FR" dirty="0"/>
+              <a:t> </a:t>
+            </a:r>
+            <a:r>
+              <a:rPr lang="fr-FR" dirty="0" err="1"/>
+              <a:t>Secrecy</a:t>
+            </a:r>
+            <a:endParaRPr lang="fr-FR" dirty="0"/>
+          </a:p>
+        </p:txBody>
+      </p:sp>
+      <p:sp>
+        <p:nvSpPr>
+          <p:cNvPr id="4" name="Rectangle 3">
             <a:extLst>
               <a:ext uri="{FF2B5EF4-FFF2-40B4-BE49-F238E27FC236}">
-                <a16:creationId xmlns:a16="http://schemas.microsoft.com/office/drawing/2014/main" id="{8216FA0B-D3FC-4932-AD81-7F04796BAE67}"/>
+                <a16:creationId xmlns:a16="http://schemas.microsoft.com/office/drawing/2014/main" id="{F0062F82-F67E-4D08-B88E-97324C21F258}"/>
               </a:ext>
             </a:extLst>
           </p:cNvPr>
-          <p:cNvSpPr>
-            <a:spLocks noGrp="1"/>
-          </p:cNvSpPr>
-          <p:nvPr>
-            <p:ph idx="1"/>
-          </p:nvPr>
-        </p:nvSpPr>
-        <p:spPr/>
-        <p:txBody>
-          <a:bodyPr/>
-          <a:lstStyle/>
-          <a:p>
-            <a:endParaRPr lang="fr-FR" dirty="0"/>
-          </a:p>
-        </p:txBody>
-      </p:sp>
+          <p:cNvSpPr/>
+          <p:nvPr/>
+        </p:nvSpPr>
+        <p:spPr>
+          <a:xfrm>
+            <a:off x="2689122" y="4281947"/>
+            <a:ext cx="2271251" cy="432619"/>
+          </a:xfrm>
+          <a:prstGeom prst="rect">
+            <a:avLst/>
+          </a:prstGeom>
+        </p:spPr>
+        <p:style>
+          <a:lnRef idx="2">
+            <a:schemeClr val="accent1">
+              <a:shade val="50000"/>
+            </a:schemeClr>
+          </a:lnRef>
+          <a:fillRef idx="1">
+            <a:schemeClr val="accent1"/>
+          </a:fillRef>
+          <a:effectRef idx="0">
+            <a:schemeClr val="accent1"/>
+          </a:effectRef>
+          <a:fontRef idx="minor">
+            <a:schemeClr val="lt1"/>
+          </a:fontRef>
+        </p:style>
+        <p:txBody>
+          <a:bodyPr rtlCol="0" anchor="ctr"/>
+          <a:lstStyle/>
+          <a:p>
+            <a:pPr algn="ctr"/>
+            <a:r>
+              <a:rPr lang="fr-FR" dirty="0"/>
+              <a:t>Clé privée 1</a:t>
+            </a:r>
+          </a:p>
+        </p:txBody>
+      </p:sp>
+      <p:sp>
+        <p:nvSpPr>
+          <p:cNvPr id="5" name="Rectangle 4">
+            <a:extLst>
+              <a:ext uri="{FF2B5EF4-FFF2-40B4-BE49-F238E27FC236}">
+                <a16:creationId xmlns:a16="http://schemas.microsoft.com/office/drawing/2014/main" id="{6D0483C8-8C70-4154-9BBB-F26C12D0901A}"/>
+              </a:ext>
+            </a:extLst>
+          </p:cNvPr>
+          <p:cNvSpPr/>
+          <p:nvPr/>
+        </p:nvSpPr>
+        <p:spPr>
+          <a:xfrm>
+            <a:off x="5820697" y="2015612"/>
+            <a:ext cx="1622322" cy="560439"/>
+          </a:xfrm>
+          <a:prstGeom prst="rect">
+            <a:avLst/>
+          </a:prstGeom>
+        </p:spPr>
+        <p:style>
+          <a:lnRef idx="2">
+            <a:schemeClr val="accent1">
+              <a:shade val="50000"/>
+            </a:schemeClr>
+          </a:lnRef>
+          <a:fillRef idx="1">
+            <a:schemeClr val="accent1"/>
+          </a:fillRef>
+          <a:effectRef idx="0">
+            <a:schemeClr val="accent1"/>
+          </a:effectRef>
+          <a:fontRef idx="minor">
+            <a:schemeClr val="lt1"/>
+          </a:fontRef>
+        </p:style>
+        <p:txBody>
+          <a:bodyPr rtlCol="0" anchor="ctr"/>
+          <a:lstStyle/>
+          <a:p>
+            <a:pPr algn="ctr"/>
+            <a:r>
+              <a:rPr lang="fr-FR" dirty="0"/>
+              <a:t>ID</a:t>
+            </a:r>
+          </a:p>
+        </p:txBody>
+      </p:sp>
+      <p:sp>
+        <p:nvSpPr>
+          <p:cNvPr id="6" name="Rectangle 5">
+            <a:extLst>
+              <a:ext uri="{FF2B5EF4-FFF2-40B4-BE49-F238E27FC236}">
+                <a16:creationId xmlns:a16="http://schemas.microsoft.com/office/drawing/2014/main" id="{5A4959B5-1EB4-4CF0-84B5-126EEA6AE322}"/>
+              </a:ext>
+            </a:extLst>
+          </p:cNvPr>
+          <p:cNvSpPr/>
+          <p:nvPr/>
+        </p:nvSpPr>
+        <p:spPr>
+          <a:xfrm>
+            <a:off x="3156153" y="3212690"/>
+            <a:ext cx="1337187" cy="432619"/>
+          </a:xfrm>
+          <a:prstGeom prst="rect">
+            <a:avLst/>
+          </a:prstGeom>
+        </p:spPr>
+        <p:style>
+          <a:lnRef idx="2">
+            <a:schemeClr val="accent1">
+              <a:shade val="50000"/>
+            </a:schemeClr>
+          </a:lnRef>
+          <a:fillRef idx="1">
+            <a:schemeClr val="accent1"/>
+          </a:fillRef>
+          <a:effectRef idx="0">
+            <a:schemeClr val="accent1"/>
+          </a:effectRef>
+          <a:fontRef idx="minor">
+            <a:schemeClr val="lt1"/>
+          </a:fontRef>
+        </p:style>
+        <p:txBody>
+          <a:bodyPr rtlCol="0" anchor="ctr"/>
+          <a:lstStyle/>
+          <a:p>
+            <a:pPr algn="ctr"/>
+            <a:r>
+              <a:rPr lang="fr-FR" dirty="0"/>
+              <a:t>Timestamp1</a:t>
+            </a:r>
+          </a:p>
+        </p:txBody>
+      </p:sp>
+      <p:sp>
+        <p:nvSpPr>
+          <p:cNvPr id="7" name="Rectangle 6">
+            <a:extLst>
+              <a:ext uri="{FF2B5EF4-FFF2-40B4-BE49-F238E27FC236}">
+                <a16:creationId xmlns:a16="http://schemas.microsoft.com/office/drawing/2014/main" id="{B30138FB-EA53-4CBD-B613-E3CB7A78B326}"/>
+              </a:ext>
+            </a:extLst>
+          </p:cNvPr>
+          <p:cNvSpPr/>
+          <p:nvPr/>
+        </p:nvSpPr>
+        <p:spPr>
+          <a:xfrm>
+            <a:off x="3824748" y="2015613"/>
+            <a:ext cx="1592826" cy="560439"/>
+          </a:xfrm>
+          <a:prstGeom prst="rect">
+            <a:avLst/>
+          </a:prstGeom>
+        </p:spPr>
+        <p:style>
+          <a:lnRef idx="2">
+            <a:schemeClr val="accent1">
+              <a:shade val="50000"/>
+            </a:schemeClr>
+          </a:lnRef>
+          <a:fillRef idx="1">
+            <a:schemeClr val="accent1"/>
+          </a:fillRef>
+          <a:effectRef idx="0">
+            <a:schemeClr val="accent1"/>
+          </a:effectRef>
+          <a:fontRef idx="minor">
+            <a:schemeClr val="lt1"/>
+          </a:fontRef>
+        </p:style>
+        <p:txBody>
+          <a:bodyPr rtlCol="0" anchor="ctr"/>
+          <a:lstStyle/>
+          <a:p>
+            <a:pPr algn="ctr"/>
+            <a:r>
+              <a:rPr lang="fr-FR" dirty="0"/>
+              <a:t>Valeur secrète</a:t>
+            </a:r>
+          </a:p>
+        </p:txBody>
+      </p:sp>
+      <p:sp>
+        <p:nvSpPr>
+          <p:cNvPr id="10" name="Rectangle 9">
+            <a:extLst>
+              <a:ext uri="{FF2B5EF4-FFF2-40B4-BE49-F238E27FC236}">
+                <a16:creationId xmlns:a16="http://schemas.microsoft.com/office/drawing/2014/main" id="{924ECD85-7DDA-4F1F-BE0D-7EFD4897F6D8}"/>
+              </a:ext>
+            </a:extLst>
+          </p:cNvPr>
+          <p:cNvSpPr/>
+          <p:nvPr/>
+        </p:nvSpPr>
+        <p:spPr>
+          <a:xfrm>
+            <a:off x="6774426" y="3212690"/>
+            <a:ext cx="1337186" cy="432619"/>
+          </a:xfrm>
+          <a:prstGeom prst="rect">
+            <a:avLst/>
+          </a:prstGeom>
+        </p:spPr>
+        <p:style>
+          <a:lnRef idx="2">
+            <a:schemeClr val="accent1">
+              <a:shade val="50000"/>
+            </a:schemeClr>
+          </a:lnRef>
+          <a:fillRef idx="1">
+            <a:schemeClr val="accent1"/>
+          </a:fillRef>
+          <a:effectRef idx="0">
+            <a:schemeClr val="accent1"/>
+          </a:effectRef>
+          <a:fontRef idx="minor">
+            <a:schemeClr val="lt1"/>
+          </a:fontRef>
+        </p:style>
+        <p:txBody>
+          <a:bodyPr rtlCol="0" anchor="ctr"/>
+          <a:lstStyle/>
+          <a:p>
+            <a:pPr algn="ctr"/>
+            <a:r>
+              <a:rPr lang="fr-FR" dirty="0"/>
+              <a:t>Timestamp2</a:t>
+            </a:r>
+          </a:p>
+        </p:txBody>
+      </p:sp>
+      <p:sp>
+        <p:nvSpPr>
+          <p:cNvPr id="12" name="Rectangle 11">
+            <a:extLst>
+              <a:ext uri="{FF2B5EF4-FFF2-40B4-BE49-F238E27FC236}">
+                <a16:creationId xmlns:a16="http://schemas.microsoft.com/office/drawing/2014/main" id="{8D36F311-A745-4758-BFAE-07CBB2D108CA}"/>
+              </a:ext>
+            </a:extLst>
+          </p:cNvPr>
+          <p:cNvSpPr/>
+          <p:nvPr/>
+        </p:nvSpPr>
+        <p:spPr>
+          <a:xfrm>
+            <a:off x="6351638" y="4281946"/>
+            <a:ext cx="2271251" cy="432619"/>
+          </a:xfrm>
+          <a:prstGeom prst="rect">
+            <a:avLst/>
+          </a:prstGeom>
+        </p:spPr>
+        <p:style>
+          <a:lnRef idx="2">
+            <a:schemeClr val="accent1">
+              <a:shade val="50000"/>
+            </a:schemeClr>
+          </a:lnRef>
+          <a:fillRef idx="1">
+            <a:schemeClr val="accent1"/>
+          </a:fillRef>
+          <a:effectRef idx="0">
+            <a:schemeClr val="accent1"/>
+          </a:effectRef>
+          <a:fontRef idx="minor">
+            <a:schemeClr val="lt1"/>
+          </a:fontRef>
+        </p:style>
+        <p:txBody>
+          <a:bodyPr rtlCol="0" anchor="ctr"/>
+          <a:lstStyle/>
+          <a:p>
+            <a:pPr algn="ctr"/>
+            <a:r>
+              <a:rPr lang="fr-FR" dirty="0"/>
+              <a:t>Clé privée 2</a:t>
+            </a:r>
+          </a:p>
+        </p:txBody>
+      </p:sp>
+      <p:cxnSp>
+        <p:nvCxnSpPr>
+          <p:cNvPr id="14" name="Connecteur droit 13">
+            <a:extLst>
+              <a:ext uri="{FF2B5EF4-FFF2-40B4-BE49-F238E27FC236}">
+                <a16:creationId xmlns:a16="http://schemas.microsoft.com/office/drawing/2014/main" id="{12625364-AEF8-44BF-A47A-8AA517EC1D00}"/>
+              </a:ext>
+            </a:extLst>
+          </p:cNvPr>
+          <p:cNvCxnSpPr>
+            <a:cxnSpLocks/>
+          </p:cNvCxnSpPr>
+          <p:nvPr/>
+        </p:nvCxnSpPr>
+        <p:spPr>
+          <a:xfrm>
+            <a:off x="5624052" y="3067665"/>
+            <a:ext cx="0" cy="1936951"/>
+          </a:xfrm>
+          <a:prstGeom prst="line">
+            <a:avLst/>
+          </a:prstGeom>
+          <a:ln>
+            <a:prstDash val="dash"/>
+          </a:ln>
+        </p:spPr>
+        <p:style>
+          <a:lnRef idx="1">
+            <a:schemeClr val="accent1"/>
+          </a:lnRef>
+          <a:fillRef idx="0">
+            <a:schemeClr val="accent1"/>
+          </a:fillRef>
+          <a:effectRef idx="0">
+            <a:schemeClr val="accent1"/>
+          </a:effectRef>
+          <a:fontRef idx="minor">
+            <a:schemeClr val="tx1"/>
+          </a:fontRef>
+        </p:style>
+      </p:cxnSp>
     </p:spTree>
     <p:extLst>
       <p:ext uri="{BB962C8B-B14F-4D97-AF65-F5344CB8AC3E}">
-        <p14:creationId xmlns:p14="http://schemas.microsoft.com/office/powerpoint/2010/main" val="894480208"/>
+        <p14:creationId xmlns:p14="http://schemas.microsoft.com/office/powerpoint/2010/main" val="3201435194"/>
       </p:ext>
     </p:extLst>
   </p:cSld>
@@ -5910,7 +6933,7 @@
           <p:cNvPr id="2" name="Titre 1">
             <a:extLst>
               <a:ext uri="{FF2B5EF4-FFF2-40B4-BE49-F238E27FC236}">
-                <a16:creationId xmlns:a16="http://schemas.microsoft.com/office/drawing/2014/main" id="{C9162FAA-B52E-4F5A-86A0-DBCF59A8A5B0}"/>
+                <a16:creationId xmlns:a16="http://schemas.microsoft.com/office/drawing/2014/main" id="{C8BC8FB8-0420-4469-9B24-9A96C951F1B4}"/>
               </a:ext>
             </a:extLst>
           </p:cNvPr>
@@ -5928,7 +6951,7 @@
           <a:p>
             <a:r>
               <a:rPr lang="fr-FR" dirty="0"/>
-              <a:t>Démonstrations</a:t>
+              <a:t>Sérialisation</a:t>
             </a:r>
           </a:p>
         </p:txBody>
@@ -5938,7 +6961,7 @@
           <p:cNvPr id="3" name="Espace réservé du contenu 2">
             <a:extLst>
               <a:ext uri="{FF2B5EF4-FFF2-40B4-BE49-F238E27FC236}">
-                <a16:creationId xmlns:a16="http://schemas.microsoft.com/office/drawing/2014/main" id="{62B19B33-0252-45EA-B008-A772C11ECCBB}"/>
+                <a16:creationId xmlns:a16="http://schemas.microsoft.com/office/drawing/2014/main" id="{8216FA0B-D3FC-4932-AD81-7F04796BAE67}"/>
               </a:ext>
             </a:extLst>
           </p:cNvPr>
@@ -5949,19 +6972,14 @@
             <p:ph idx="1"/>
           </p:nvPr>
         </p:nvSpPr>
-        <p:spPr>
-          <a:xfrm>
-            <a:off x="838200" y="2506662"/>
-            <a:ext cx="10515600" cy="4351338"/>
-          </a:xfrm>
-        </p:spPr>
-        <p:txBody>
-          <a:bodyPr/>
-          <a:lstStyle/>
-          <a:p>
-            <a:r>
-              <a:rPr lang="fr-FR" dirty="0"/>
-              <a:t>Démonstration d’un envoi – réception basique</a:t>
+        <p:spPr/>
+        <p:txBody>
+          <a:bodyPr/>
+          <a:lstStyle/>
+          <a:p>
+            <a:r>
+              <a:rPr lang="fr-FR" dirty="0"/>
+              <a:t>Sérialisation par objets et paramètres bien définis pour la structure des paquets de KGC</a:t>
             </a:r>
           </a:p>
           <a:p>
@@ -5970,7 +6988,16 @@
           <a:p>
             <a:r>
               <a:rPr lang="fr-FR" dirty="0"/>
-              <a:t>Démonstration d’un message intercepté et modifié</a:t>
+              <a:t>Sérialisation « binaire »</a:t>
+            </a:r>
+          </a:p>
+          <a:p>
+            <a:endParaRPr lang="fr-FR" dirty="0"/>
+          </a:p>
+          <a:p>
+            <a:r>
+              <a:rPr lang="fr-FR" dirty="0"/>
+              <a:t>Possibilité d’amélioration avec du JSON pour être plus généralisé</a:t>
             </a:r>
           </a:p>
         </p:txBody>
@@ -5978,7 +7005,7 @@
     </p:spTree>
     <p:extLst>
       <p:ext uri="{BB962C8B-B14F-4D97-AF65-F5344CB8AC3E}">
-        <p14:creationId xmlns:p14="http://schemas.microsoft.com/office/powerpoint/2010/main" val="526119560"/>
+        <p14:creationId xmlns:p14="http://schemas.microsoft.com/office/powerpoint/2010/main" val="894480208"/>
       </p:ext>
     </p:extLst>
   </p:cSld>
@@ -6010,7 +7037,7 @@
           <p:cNvPr id="2" name="Titre 1">
             <a:extLst>
               <a:ext uri="{FF2B5EF4-FFF2-40B4-BE49-F238E27FC236}">
-                <a16:creationId xmlns:a16="http://schemas.microsoft.com/office/drawing/2014/main" id="{AB023D78-CF7F-4A03-BB7E-96DDFC83C5DF}"/>
+                <a16:creationId xmlns:a16="http://schemas.microsoft.com/office/drawing/2014/main" id="{C9162FAA-B52E-4F5A-86A0-DBCF59A8A5B0}"/>
               </a:ext>
             </a:extLst>
           </p:cNvPr>
@@ -6028,7 +7055,7 @@
           <a:p>
             <a:r>
               <a:rPr lang="fr-FR" dirty="0"/>
-              <a:t>Démonstration 1</a:t>
+              <a:t>Démonstrations</a:t>
             </a:r>
           </a:p>
         </p:txBody>
@@ -6038,7 +7065,7 @@
           <p:cNvPr id="3" name="Espace réservé du contenu 2">
             <a:extLst>
               <a:ext uri="{FF2B5EF4-FFF2-40B4-BE49-F238E27FC236}">
-                <a16:creationId xmlns:a16="http://schemas.microsoft.com/office/drawing/2014/main" id="{9D1DDE4F-367D-432E-9627-3C7233DE9FCB}"/>
+                <a16:creationId xmlns:a16="http://schemas.microsoft.com/office/drawing/2014/main" id="{62B19B33-0252-45EA-B008-A772C11ECCBB}"/>
               </a:ext>
             </a:extLst>
           </p:cNvPr>
@@ -6049,19 +7076,36 @@
             <p:ph idx="1"/>
           </p:nvPr>
         </p:nvSpPr>
-        <p:spPr/>
-        <p:txBody>
-          <a:bodyPr/>
-          <a:lstStyle/>
-          <a:p>
-            <a:endParaRPr lang="fr-FR"/>
+        <p:spPr>
+          <a:xfrm>
+            <a:off x="838200" y="2506662"/>
+            <a:ext cx="10515600" cy="4351338"/>
+          </a:xfrm>
+        </p:spPr>
+        <p:txBody>
+          <a:bodyPr/>
+          <a:lstStyle/>
+          <a:p>
+            <a:r>
+              <a:rPr lang="fr-FR" dirty="0"/>
+              <a:t>Démonstration d’un envoi – réception basique</a:t>
+            </a:r>
+          </a:p>
+          <a:p>
+            <a:endParaRPr lang="fr-FR" dirty="0"/>
+          </a:p>
+          <a:p>
+            <a:r>
+              <a:rPr lang="fr-FR" dirty="0"/>
+              <a:t>Démonstration d’un message intercepté et modifié</a:t>
+            </a:r>
           </a:p>
         </p:txBody>
       </p:sp>
     </p:spTree>
     <p:extLst>
       <p:ext uri="{BB962C8B-B14F-4D97-AF65-F5344CB8AC3E}">
-        <p14:creationId xmlns:p14="http://schemas.microsoft.com/office/powerpoint/2010/main" val="3970760474"/>
+        <p14:creationId xmlns:p14="http://schemas.microsoft.com/office/powerpoint/2010/main" val="526119560"/>
       </p:ext>
     </p:extLst>
   </p:cSld>
@@ -6093,7 +7137,7 @@
           <p:cNvPr id="2" name="Titre 1">
             <a:extLst>
               <a:ext uri="{FF2B5EF4-FFF2-40B4-BE49-F238E27FC236}">
-                <a16:creationId xmlns:a16="http://schemas.microsoft.com/office/drawing/2014/main" id="{10A459C4-D93C-4CBC-92C6-7A10BE0AD7DB}"/>
+                <a16:creationId xmlns:a16="http://schemas.microsoft.com/office/drawing/2014/main" id="{AB023D78-CF7F-4A03-BB7E-96DDFC83C5DF}"/>
               </a:ext>
             </a:extLst>
           </p:cNvPr>
@@ -6111,7 +7155,7 @@
           <a:p>
             <a:r>
               <a:rPr lang="fr-FR" dirty="0"/>
-              <a:t>Démonstration 2</a:t>
+              <a:t>Démonstration 1</a:t>
             </a:r>
           </a:p>
         </p:txBody>
@@ -6121,7 +7165,7 @@
           <p:cNvPr id="3" name="Espace réservé du contenu 2">
             <a:extLst>
               <a:ext uri="{FF2B5EF4-FFF2-40B4-BE49-F238E27FC236}">
-                <a16:creationId xmlns:a16="http://schemas.microsoft.com/office/drawing/2014/main" id="{D03BF8FB-0701-44D4-B7E1-AC8EE551967F}"/>
+                <a16:creationId xmlns:a16="http://schemas.microsoft.com/office/drawing/2014/main" id="{9D1DDE4F-367D-432E-9627-3C7233DE9FCB}"/>
               </a:ext>
             </a:extLst>
           </p:cNvPr>
@@ -6144,7 +7188,7 @@
     </p:spTree>
     <p:extLst>
       <p:ext uri="{BB962C8B-B14F-4D97-AF65-F5344CB8AC3E}">
-        <p14:creationId xmlns:p14="http://schemas.microsoft.com/office/powerpoint/2010/main" val="3737190780"/>
+        <p14:creationId xmlns:p14="http://schemas.microsoft.com/office/powerpoint/2010/main" val="3970760474"/>
       </p:ext>
     </p:extLst>
   </p:cSld>
@@ -6176,7 +7220,7 @@
           <p:cNvPr id="2" name="Titre 1">
             <a:extLst>
               <a:ext uri="{FF2B5EF4-FFF2-40B4-BE49-F238E27FC236}">
-                <a16:creationId xmlns:a16="http://schemas.microsoft.com/office/drawing/2014/main" id="{65C1B503-44FA-42EA-BE48-9DA01F09428E}"/>
+                <a16:creationId xmlns:a16="http://schemas.microsoft.com/office/drawing/2014/main" id="{10A459C4-D93C-4CBC-92C6-7A10BE0AD7DB}"/>
               </a:ext>
             </a:extLst>
           </p:cNvPr>
@@ -6194,17 +7238,17 @@
           <a:p>
             <a:r>
               <a:rPr lang="fr-FR" dirty="0"/>
-              <a:t>Résultats</a:t>
-            </a:r>
-          </a:p>
-        </p:txBody>
-      </p:sp>
-      <p:sp>
-        <p:nvSpPr>
-          <p:cNvPr id="3" name="Espace réservé du texte 2">
+              <a:t>Démonstration 2</a:t>
+            </a:r>
+          </a:p>
+        </p:txBody>
+      </p:sp>
+      <p:sp>
+        <p:nvSpPr>
+          <p:cNvPr id="3" name="Espace réservé du contenu 2">
             <a:extLst>
               <a:ext uri="{FF2B5EF4-FFF2-40B4-BE49-F238E27FC236}">
-                <a16:creationId xmlns:a16="http://schemas.microsoft.com/office/drawing/2014/main" id="{FE4E211B-92DA-4070-A187-04D3219F8708}"/>
+                <a16:creationId xmlns:a16="http://schemas.microsoft.com/office/drawing/2014/main" id="{D03BF8FB-0701-44D4-B7E1-AC8EE551967F}"/>
               </a:ext>
             </a:extLst>
           </p:cNvPr>
@@ -6212,25 +7256,22 @@
             <a:spLocks noGrp="1"/>
           </p:cNvSpPr>
           <p:nvPr>
-            <p:ph type="body" idx="1"/>
-          </p:nvPr>
-        </p:nvSpPr>
-        <p:spPr/>
-        <p:txBody>
-          <a:bodyPr/>
-          <a:lstStyle/>
-          <a:p>
-            <a:r>
-              <a:rPr lang="fr-FR" dirty="0"/>
-              <a:t>Comparaisons et inconvénients</a:t>
-            </a:r>
+            <p:ph idx="1"/>
+          </p:nvPr>
+        </p:nvSpPr>
+        <p:spPr/>
+        <p:txBody>
+          <a:bodyPr/>
+          <a:lstStyle/>
+          <a:p>
+            <a:endParaRPr lang="fr-FR"/>
           </a:p>
         </p:txBody>
       </p:sp>
     </p:spTree>
     <p:extLst>
       <p:ext uri="{BB962C8B-B14F-4D97-AF65-F5344CB8AC3E}">
-        <p14:creationId xmlns:p14="http://schemas.microsoft.com/office/powerpoint/2010/main" val="116061769"/>
+        <p14:creationId xmlns:p14="http://schemas.microsoft.com/office/powerpoint/2010/main" val="3737190780"/>
       </p:ext>
     </p:extLst>
   </p:cSld>
@@ -6262,7 +7303,7 @@
           <p:cNvPr id="2" name="Titre 1">
             <a:extLst>
               <a:ext uri="{FF2B5EF4-FFF2-40B4-BE49-F238E27FC236}">
-                <a16:creationId xmlns:a16="http://schemas.microsoft.com/office/drawing/2014/main" id="{932B9E80-C3AC-4C3D-94D0-77349F973348}"/>
+                <a16:creationId xmlns:a16="http://schemas.microsoft.com/office/drawing/2014/main" id="{65C1B503-44FA-42EA-BE48-9DA01F09428E}"/>
               </a:ext>
             </a:extLst>
           </p:cNvPr>
@@ -6280,17 +7321,17 @@
           <a:p>
             <a:r>
               <a:rPr lang="fr-FR" dirty="0"/>
-              <a:t>Comparaisons</a:t>
-            </a:r>
-          </a:p>
-        </p:txBody>
-      </p:sp>
-      <p:sp>
-        <p:nvSpPr>
-          <p:cNvPr id="3" name="Espace réservé du contenu 2">
+              <a:t>Résultats</a:t>
+            </a:r>
+          </a:p>
+        </p:txBody>
+      </p:sp>
+      <p:sp>
+        <p:nvSpPr>
+          <p:cNvPr id="3" name="Espace réservé du texte 2">
             <a:extLst>
               <a:ext uri="{FF2B5EF4-FFF2-40B4-BE49-F238E27FC236}">
-                <a16:creationId xmlns:a16="http://schemas.microsoft.com/office/drawing/2014/main" id="{B2284E93-BF37-49CF-A3BF-3FBC31B588D1}"/>
+                <a16:creationId xmlns:a16="http://schemas.microsoft.com/office/drawing/2014/main" id="{FE4E211B-92DA-4070-A187-04D3219F8708}"/>
               </a:ext>
             </a:extLst>
           </p:cNvPr>
@@ -6298,17 +7339,17 @@
             <a:spLocks noGrp="1"/>
           </p:cNvSpPr>
           <p:nvPr>
-            <p:ph idx="1"/>
-          </p:nvPr>
-        </p:nvSpPr>
-        <p:spPr/>
-        <p:txBody>
-          <a:bodyPr/>
-          <a:lstStyle/>
-          <a:p>
-            <a:r>
-              <a:rPr lang="fr-FR" dirty="0"/>
-              <a:t>PGP vs S/MIME vs POC</a:t>
+            <p:ph type="body" idx="1"/>
+          </p:nvPr>
+        </p:nvSpPr>
+        <p:spPr/>
+        <p:txBody>
+          <a:bodyPr/>
+          <a:lstStyle/>
+          <a:p>
+            <a:r>
+              <a:rPr lang="fr-FR" dirty="0"/>
+              <a:t>Comparaisons et inconvénients</a:t>
             </a:r>
           </a:p>
         </p:txBody>
@@ -6316,7 +7357,7 @@
     </p:spTree>
     <p:extLst>
       <p:ext uri="{BB962C8B-B14F-4D97-AF65-F5344CB8AC3E}">
-        <p14:creationId xmlns:p14="http://schemas.microsoft.com/office/powerpoint/2010/main" val="2269742617"/>
+        <p14:creationId xmlns:p14="http://schemas.microsoft.com/office/powerpoint/2010/main" val="116061769"/>
       </p:ext>
     </p:extLst>
   </p:cSld>
@@ -6348,7 +7389,7 @@
           <p:cNvPr id="2" name="Titre 1">
             <a:extLst>
               <a:ext uri="{FF2B5EF4-FFF2-40B4-BE49-F238E27FC236}">
-                <a16:creationId xmlns:a16="http://schemas.microsoft.com/office/drawing/2014/main" id="{E6A5A8BF-81E3-45AB-AC5F-508DF6B72C1A}"/>
+                <a16:creationId xmlns:a16="http://schemas.microsoft.com/office/drawing/2014/main" id="{932B9E80-C3AC-4C3D-94D0-77349F973348}"/>
               </a:ext>
             </a:extLst>
           </p:cNvPr>
@@ -6366,7 +7407,7 @@
           <a:p>
             <a:r>
               <a:rPr lang="fr-FR" dirty="0"/>
-              <a:t>Inconvénients</a:t>
+              <a:t>Comparaisons</a:t>
             </a:r>
           </a:p>
         </p:txBody>
@@ -6376,7 +7417,7 @@
           <p:cNvPr id="3" name="Espace réservé du contenu 2">
             <a:extLst>
               <a:ext uri="{FF2B5EF4-FFF2-40B4-BE49-F238E27FC236}">
-                <a16:creationId xmlns:a16="http://schemas.microsoft.com/office/drawing/2014/main" id="{7C104D1E-4F13-4D76-89D5-419F6C224047}"/>
+                <a16:creationId xmlns:a16="http://schemas.microsoft.com/office/drawing/2014/main" id="{B2284E93-BF37-49CF-A3BF-3FBC31B588D1}"/>
               </a:ext>
             </a:extLst>
           </p:cNvPr>
@@ -6394,15 +7435,49 @@
           <a:p>
             <a:r>
               <a:rPr lang="fr-FR" dirty="0"/>
-              <a:t>Implémentation ne prenant pas en compte beaucoup de scénarios importants dans un système de messagerie.</a:t>
-            </a:r>
+              <a:t>Utilisabilité</a:t>
+            </a:r>
+          </a:p>
+          <a:p>
+            <a:endParaRPr lang="fr-FR" dirty="0"/>
+          </a:p>
+          <a:p>
+            <a:r>
+              <a:rPr lang="fr-FR" dirty="0"/>
+              <a:t>Erreurs utilisateurs</a:t>
+            </a:r>
+          </a:p>
+          <a:p>
+            <a:endParaRPr lang="fr-FR" dirty="0"/>
+          </a:p>
+          <a:p>
+            <a:r>
+              <a:rPr lang="fr-FR" dirty="0"/>
+              <a:t>Propriétés accrues grâce à la pseudo </a:t>
+            </a:r>
+            <a:r>
+              <a:rPr lang="fr-FR" dirty="0" err="1"/>
+              <a:t>forward</a:t>
+            </a:r>
+            <a:r>
+              <a:rPr lang="fr-FR" dirty="0"/>
+              <a:t> </a:t>
+            </a:r>
+            <a:r>
+              <a:rPr lang="fr-FR" dirty="0" err="1"/>
+              <a:t>secrecy</a:t>
+            </a:r>
+            <a:endParaRPr lang="fr-FR" dirty="0"/>
+          </a:p>
+          <a:p>
+            <a:endParaRPr lang="fr-FR" dirty="0"/>
           </a:p>
         </p:txBody>
       </p:sp>
     </p:spTree>
     <p:extLst>
       <p:ext uri="{BB962C8B-B14F-4D97-AF65-F5344CB8AC3E}">
-        <p14:creationId xmlns:p14="http://schemas.microsoft.com/office/powerpoint/2010/main" val="4081372555"/>
+        <p14:creationId xmlns:p14="http://schemas.microsoft.com/office/powerpoint/2010/main" val="2269742617"/>
       </p:ext>
     </p:extLst>
   </p:cSld>
@@ -6525,7 +7600,7 @@
           <p:cNvPr id="2" name="Titre 1">
             <a:extLst>
               <a:ext uri="{FF2B5EF4-FFF2-40B4-BE49-F238E27FC236}">
-                <a16:creationId xmlns:a16="http://schemas.microsoft.com/office/drawing/2014/main" id="{C437CCBF-0A76-4B2A-8291-D6E9E35CB15E}"/>
+                <a16:creationId xmlns:a16="http://schemas.microsoft.com/office/drawing/2014/main" id="{E6A5A8BF-81E3-45AB-AC5F-508DF6B72C1A}"/>
               </a:ext>
             </a:extLst>
           </p:cNvPr>
@@ -6542,19 +7617,18 @@
           <a:lstStyle/>
           <a:p>
             <a:r>
-              <a:rPr lang="en-US" dirty="0"/>
-              <a:t>Conclusion</a:t>
-            </a:r>
-            <a:endParaRPr lang="fr-FR" dirty="0"/>
-          </a:p>
-        </p:txBody>
-      </p:sp>
-      <p:sp>
-        <p:nvSpPr>
-          <p:cNvPr id="3" name="Espace réservé du texte 2">
+              <a:rPr lang="fr-FR" dirty="0"/>
+              <a:t>Inconvénients</a:t>
+            </a:r>
+          </a:p>
+        </p:txBody>
+      </p:sp>
+      <p:sp>
+        <p:nvSpPr>
+          <p:cNvPr id="3" name="Espace réservé du contenu 2">
             <a:extLst>
               <a:ext uri="{FF2B5EF4-FFF2-40B4-BE49-F238E27FC236}">
-                <a16:creationId xmlns:a16="http://schemas.microsoft.com/office/drawing/2014/main" id="{7F5A57EC-4929-4786-A011-285018EF7CB9}"/>
+                <a16:creationId xmlns:a16="http://schemas.microsoft.com/office/drawing/2014/main" id="{7C104D1E-4F13-4D76-89D5-419F6C224047}"/>
               </a:ext>
             </a:extLst>
           </p:cNvPr>
@@ -6562,17 +7636,44 @@
             <a:spLocks noGrp="1"/>
           </p:cNvSpPr>
           <p:nvPr>
-            <p:ph type="body" idx="1"/>
-          </p:nvPr>
-        </p:nvSpPr>
-        <p:spPr/>
-        <p:txBody>
-          <a:bodyPr/>
-          <a:lstStyle/>
-          <a:p>
-            <a:r>
-              <a:rPr lang="fr-FR" dirty="0"/>
-              <a:t>Travaux futurs</a:t>
+            <p:ph idx="1"/>
+          </p:nvPr>
+        </p:nvSpPr>
+        <p:spPr/>
+        <p:txBody>
+          <a:bodyPr/>
+          <a:lstStyle/>
+          <a:p>
+            <a:r>
+              <a:rPr lang="fr-FR" dirty="0"/>
+              <a:t>Implémentation ne prenant pas en compte beaucoup de scénarios importants dans un système de messagerie.</a:t>
+            </a:r>
+          </a:p>
+          <a:p>
+            <a:endParaRPr lang="fr-FR" dirty="0"/>
+          </a:p>
+          <a:p>
+            <a:r>
+              <a:rPr lang="fr-FR" dirty="0"/>
+              <a:t>Taille pouvant être très grande avec beaucoup de destinataires</a:t>
+            </a:r>
+          </a:p>
+          <a:p>
+            <a:endParaRPr lang="fr-FR" dirty="0"/>
+          </a:p>
+          <a:p>
+            <a:r>
+              <a:rPr lang="fr-FR" dirty="0"/>
+              <a:t>Uniquement contenu de message</a:t>
+            </a:r>
+          </a:p>
+          <a:p>
+            <a:endParaRPr lang="fr-FR" dirty="0"/>
+          </a:p>
+          <a:p>
+            <a:r>
+              <a:rPr lang="fr-FR" dirty="0"/>
+              <a:t>Sujet non chiffré</a:t>
             </a:r>
           </a:p>
         </p:txBody>
@@ -6580,7 +7681,7 @@
     </p:spTree>
     <p:extLst>
       <p:ext uri="{BB962C8B-B14F-4D97-AF65-F5344CB8AC3E}">
-        <p14:creationId xmlns:p14="http://schemas.microsoft.com/office/powerpoint/2010/main" val="2812815767"/>
+        <p14:creationId xmlns:p14="http://schemas.microsoft.com/office/powerpoint/2010/main" val="4081372555"/>
       </p:ext>
     </p:extLst>
   </p:cSld>
@@ -6612,7 +7713,7 @@
           <p:cNvPr id="2" name="Titre 1">
             <a:extLst>
               <a:ext uri="{FF2B5EF4-FFF2-40B4-BE49-F238E27FC236}">
-                <a16:creationId xmlns:a16="http://schemas.microsoft.com/office/drawing/2014/main" id="{12907D9B-D716-4492-852D-CB527184F1A4}"/>
+                <a16:creationId xmlns:a16="http://schemas.microsoft.com/office/drawing/2014/main" id="{C437CCBF-0A76-4B2A-8291-D6E9E35CB15E}"/>
               </a:ext>
             </a:extLst>
           </p:cNvPr>
@@ -6629,18 +7730,19 @@
           <a:lstStyle/>
           <a:p>
             <a:r>
-              <a:rPr lang="fr-FR" dirty="0"/>
-              <a:t>Multiples destinataires</a:t>
-            </a:r>
-          </a:p>
-        </p:txBody>
-      </p:sp>
-      <p:sp>
-        <p:nvSpPr>
-          <p:cNvPr id="3" name="Espace réservé du contenu 2">
+              <a:rPr lang="en-US" dirty="0"/>
+              <a:t>Conclusion</a:t>
+            </a:r>
+            <a:endParaRPr lang="fr-FR" dirty="0"/>
+          </a:p>
+        </p:txBody>
+      </p:sp>
+      <p:sp>
+        <p:nvSpPr>
+          <p:cNvPr id="3" name="Espace réservé du texte 2">
             <a:extLst>
               <a:ext uri="{FF2B5EF4-FFF2-40B4-BE49-F238E27FC236}">
-                <a16:creationId xmlns:a16="http://schemas.microsoft.com/office/drawing/2014/main" id="{C509BB32-EF3D-498F-9F37-7C7F151C2F23}"/>
+                <a16:creationId xmlns:a16="http://schemas.microsoft.com/office/drawing/2014/main" id="{7F5A57EC-4929-4786-A011-285018EF7CB9}"/>
               </a:ext>
             </a:extLst>
           </p:cNvPr>
@@ -6648,22 +7750,25 @@
             <a:spLocks noGrp="1"/>
           </p:cNvSpPr>
           <p:nvPr>
-            <p:ph idx="1"/>
-          </p:nvPr>
-        </p:nvSpPr>
-        <p:spPr/>
-        <p:txBody>
-          <a:bodyPr/>
-          <a:lstStyle/>
-          <a:p>
-            <a:endParaRPr lang="fr-FR" dirty="0"/>
+            <p:ph type="body" idx="1"/>
+          </p:nvPr>
+        </p:nvSpPr>
+        <p:spPr/>
+        <p:txBody>
+          <a:bodyPr/>
+          <a:lstStyle/>
+          <a:p>
+            <a:r>
+              <a:rPr lang="fr-FR" dirty="0"/>
+              <a:t>Constats, Travaux futurs</a:t>
+            </a:r>
           </a:p>
         </p:txBody>
       </p:sp>
     </p:spTree>
     <p:extLst>
       <p:ext uri="{BB962C8B-B14F-4D97-AF65-F5344CB8AC3E}">
-        <p14:creationId xmlns:p14="http://schemas.microsoft.com/office/powerpoint/2010/main" val="2889669644"/>
+        <p14:creationId xmlns:p14="http://schemas.microsoft.com/office/powerpoint/2010/main" val="2812815767"/>
       </p:ext>
     </p:extLst>
   </p:cSld>
@@ -6695,6 +7800,410 @@
           <p:cNvPr id="2" name="Titre 1">
             <a:extLst>
               <a:ext uri="{FF2B5EF4-FFF2-40B4-BE49-F238E27FC236}">
+                <a16:creationId xmlns:a16="http://schemas.microsoft.com/office/drawing/2014/main" id="{12907D9B-D716-4492-852D-CB527184F1A4}"/>
+              </a:ext>
+            </a:extLst>
+          </p:cNvPr>
+          <p:cNvSpPr>
+            <a:spLocks noGrp="1"/>
+          </p:cNvSpPr>
+          <p:nvPr>
+            <p:ph type="title"/>
+          </p:nvPr>
+        </p:nvSpPr>
+        <p:spPr/>
+        <p:txBody>
+          <a:bodyPr/>
+          <a:lstStyle/>
+          <a:p>
+            <a:r>
+              <a:rPr lang="fr-FR" dirty="0"/>
+              <a:t>Multiples destinataires</a:t>
+            </a:r>
+          </a:p>
+        </p:txBody>
+      </p:sp>
+      <p:sp>
+        <p:nvSpPr>
+          <p:cNvPr id="3" name="Espace réservé du contenu 2">
+            <a:extLst>
+              <a:ext uri="{FF2B5EF4-FFF2-40B4-BE49-F238E27FC236}">
+                <a16:creationId xmlns:a16="http://schemas.microsoft.com/office/drawing/2014/main" id="{C509BB32-EF3D-498F-9F37-7C7F151C2F23}"/>
+              </a:ext>
+            </a:extLst>
+          </p:cNvPr>
+          <p:cNvSpPr>
+            <a:spLocks noGrp="1"/>
+          </p:cNvSpPr>
+          <p:nvPr>
+            <p:ph idx="1"/>
+          </p:nvPr>
+        </p:nvSpPr>
+        <p:spPr/>
+        <p:txBody>
+          <a:bodyPr/>
+          <a:lstStyle/>
+          <a:p>
+            <a:r>
+              <a:rPr lang="fr-FR" dirty="0"/>
+              <a:t>Pour l’implémentation actuelle, possibilité d’ajouter des headers pour chaque destinataire (pour le côté asymétrique)</a:t>
+            </a:r>
+          </a:p>
+          <a:p>
+            <a:endParaRPr lang="fr-FR" dirty="0"/>
+          </a:p>
+          <a:p>
+            <a:r>
+              <a:rPr lang="fr-FR" dirty="0"/>
+              <a:t>Ajout de taille accrue par rapport aux solutions actuelles</a:t>
+            </a:r>
+          </a:p>
+          <a:p>
+            <a:endParaRPr lang="fr-FR" dirty="0"/>
+          </a:p>
+          <a:p>
+            <a:r>
+              <a:rPr lang="fr-FR" dirty="0"/>
+              <a:t>Dans chaque header ajouter l’ID du destinataire</a:t>
+            </a:r>
+          </a:p>
+        </p:txBody>
+      </p:sp>
+    </p:spTree>
+    <p:extLst>
+      <p:ext uri="{BB962C8B-B14F-4D97-AF65-F5344CB8AC3E}">
+        <p14:creationId xmlns:p14="http://schemas.microsoft.com/office/powerpoint/2010/main" val="2889669644"/>
+      </p:ext>
+    </p:extLst>
+  </p:cSld>
+  <p:clrMapOvr>
+    <a:masterClrMapping/>
+  </p:clrMapOvr>
+</p:sld>
+</file>
+
+<file path=ppt/slides/slide33.xml><?xml version="1.0" encoding="utf-8"?>
+<p:sld xmlns:a="http://schemas.openxmlformats.org/drawingml/2006/main" xmlns:r="http://schemas.openxmlformats.org/officeDocument/2006/relationships" xmlns:p="http://schemas.openxmlformats.org/presentationml/2006/main">
+  <p:cSld>
+    <p:spTree>
+      <p:nvGrpSpPr>
+        <p:cNvPr id="1" name=""/>
+        <p:cNvGrpSpPr/>
+        <p:nvPr/>
+      </p:nvGrpSpPr>
+      <p:grpSpPr>
+        <a:xfrm>
+          <a:off x="0" y="0"/>
+          <a:ext cx="0" cy="0"/>
+          <a:chOff x="0" y="0"/>
+          <a:chExt cx="0" cy="0"/>
+        </a:xfrm>
+      </p:grpSpPr>
+      <p:sp>
+        <p:nvSpPr>
+          <p:cNvPr id="2" name="Titre 1">
+            <a:extLst>
+              <a:ext uri="{FF2B5EF4-FFF2-40B4-BE49-F238E27FC236}">
+                <a16:creationId xmlns:a16="http://schemas.microsoft.com/office/drawing/2014/main" id="{29D34D95-5848-450A-A8A1-DA8F64762848}"/>
+              </a:ext>
+            </a:extLst>
+          </p:cNvPr>
+          <p:cNvSpPr>
+            <a:spLocks noGrp="1"/>
+          </p:cNvSpPr>
+          <p:nvPr>
+            <p:ph type="title"/>
+          </p:nvPr>
+        </p:nvSpPr>
+        <p:spPr/>
+        <p:txBody>
+          <a:bodyPr/>
+          <a:lstStyle/>
+          <a:p>
+            <a:r>
+              <a:rPr lang="fr-FR" dirty="0"/>
+              <a:t>Sérialisation améliorée</a:t>
+            </a:r>
+          </a:p>
+        </p:txBody>
+      </p:sp>
+      <p:sp>
+        <p:nvSpPr>
+          <p:cNvPr id="3" name="Espace réservé du contenu 2">
+            <a:extLst>
+              <a:ext uri="{FF2B5EF4-FFF2-40B4-BE49-F238E27FC236}">
+                <a16:creationId xmlns:a16="http://schemas.microsoft.com/office/drawing/2014/main" id="{9DBD7C89-67A7-4BFE-9B14-A5667CD831D4}"/>
+              </a:ext>
+            </a:extLst>
+          </p:cNvPr>
+          <p:cNvSpPr>
+            <a:spLocks noGrp="1"/>
+          </p:cNvSpPr>
+          <p:nvPr>
+            <p:ph idx="1"/>
+          </p:nvPr>
+        </p:nvSpPr>
+        <p:spPr/>
+        <p:txBody>
+          <a:bodyPr/>
+          <a:lstStyle/>
+          <a:p>
+            <a:r>
+              <a:rPr lang="fr-FR" dirty="0"/>
+              <a:t>Plutôt qu’utiliser MIME qui sont vieux et cassés utilisation d’une sérialisation plus récente</a:t>
+            </a:r>
+          </a:p>
+          <a:p>
+            <a:endParaRPr lang="fr-FR" dirty="0"/>
+          </a:p>
+          <a:p>
+            <a:r>
+              <a:rPr lang="fr-FR" dirty="0"/>
+              <a:t>Pour le contenu des message et pièces jointes, penser à sérialiser dans des objets autres que MIME</a:t>
+            </a:r>
+          </a:p>
+          <a:p>
+            <a:endParaRPr lang="fr-FR" dirty="0"/>
+          </a:p>
+          <a:p>
+            <a:r>
+              <a:rPr lang="fr-FR" dirty="0"/>
+              <a:t>JSON par exemple, ou binaire comme fait dans l’implémentation actuelle</a:t>
+            </a:r>
+          </a:p>
+        </p:txBody>
+      </p:sp>
+    </p:spTree>
+    <p:extLst>
+      <p:ext uri="{BB962C8B-B14F-4D97-AF65-F5344CB8AC3E}">
+        <p14:creationId xmlns:p14="http://schemas.microsoft.com/office/powerpoint/2010/main" val="1696819355"/>
+      </p:ext>
+    </p:extLst>
+  </p:cSld>
+  <p:clrMapOvr>
+    <a:masterClrMapping/>
+  </p:clrMapOvr>
+</p:sld>
+</file>
+
+<file path=ppt/slides/slide34.xml><?xml version="1.0" encoding="utf-8"?>
+<p:sld xmlns:a="http://schemas.openxmlformats.org/drawingml/2006/main" xmlns:r="http://schemas.openxmlformats.org/officeDocument/2006/relationships" xmlns:p="http://schemas.openxmlformats.org/presentationml/2006/main">
+  <p:cSld>
+    <p:spTree>
+      <p:nvGrpSpPr>
+        <p:cNvPr id="1" name=""/>
+        <p:cNvGrpSpPr/>
+        <p:nvPr/>
+      </p:nvGrpSpPr>
+      <p:grpSpPr>
+        <a:xfrm>
+          <a:off x="0" y="0"/>
+          <a:ext cx="0" cy="0"/>
+          <a:chOff x="0" y="0"/>
+          <a:chExt cx="0" cy="0"/>
+        </a:xfrm>
+      </p:grpSpPr>
+      <p:sp>
+        <p:nvSpPr>
+          <p:cNvPr id="2" name="Titre 1">
+            <a:extLst>
+              <a:ext uri="{FF2B5EF4-FFF2-40B4-BE49-F238E27FC236}">
+                <a16:creationId xmlns:a16="http://schemas.microsoft.com/office/drawing/2014/main" id="{16DB9734-F3CD-4F31-AA65-3781559F1432}"/>
+              </a:ext>
+            </a:extLst>
+          </p:cNvPr>
+          <p:cNvSpPr>
+            <a:spLocks noGrp="1"/>
+          </p:cNvSpPr>
+          <p:nvPr>
+            <p:ph type="title"/>
+          </p:nvPr>
+        </p:nvSpPr>
+        <p:spPr/>
+        <p:txBody>
+          <a:bodyPr/>
+          <a:lstStyle/>
+          <a:p>
+            <a:r>
+              <a:rPr lang="fr-FR" dirty="0"/>
+              <a:t>Conclusion</a:t>
+            </a:r>
+          </a:p>
+        </p:txBody>
+      </p:sp>
+      <p:sp>
+        <p:nvSpPr>
+          <p:cNvPr id="3" name="Espace réservé du contenu 2">
+            <a:extLst>
+              <a:ext uri="{FF2B5EF4-FFF2-40B4-BE49-F238E27FC236}">
+                <a16:creationId xmlns:a16="http://schemas.microsoft.com/office/drawing/2014/main" id="{404EF4A7-5205-46CF-9A5D-AE6628294FAF}"/>
+              </a:ext>
+            </a:extLst>
+          </p:cNvPr>
+          <p:cNvSpPr>
+            <a:spLocks noGrp="1"/>
+          </p:cNvSpPr>
+          <p:nvPr>
+            <p:ph idx="1"/>
+          </p:nvPr>
+        </p:nvSpPr>
+        <p:spPr/>
+        <p:txBody>
+          <a:bodyPr/>
+          <a:lstStyle/>
+          <a:p>
+            <a:r>
+              <a:rPr lang="fr-FR" dirty="0"/>
+              <a:t>Beaucoup de travail à accomplir pour système de messagerie complet</a:t>
+            </a:r>
+          </a:p>
+          <a:p>
+            <a:endParaRPr lang="fr-FR" dirty="0"/>
+          </a:p>
+          <a:p>
+            <a:r>
+              <a:rPr lang="fr-FR" dirty="0"/>
+              <a:t>Système de base fonctionnant bien et prouvant que c’est possible</a:t>
+            </a:r>
+          </a:p>
+          <a:p>
+            <a:endParaRPr lang="fr-FR" dirty="0"/>
+          </a:p>
+          <a:p>
+            <a:r>
+              <a:rPr lang="fr-FR" dirty="0"/>
+              <a:t>Structure problématique avec le KGC mais pas impossible à mettre en place</a:t>
+            </a:r>
+          </a:p>
+          <a:p>
+            <a:endParaRPr lang="fr-FR" dirty="0"/>
+          </a:p>
+          <a:p>
+            <a:r>
+              <a:rPr lang="fr-FR" dirty="0"/>
+              <a:t>Retravailler la construction de la signature</a:t>
+            </a:r>
+          </a:p>
+        </p:txBody>
+      </p:sp>
+    </p:spTree>
+    <p:extLst>
+      <p:ext uri="{BB962C8B-B14F-4D97-AF65-F5344CB8AC3E}">
+        <p14:creationId xmlns:p14="http://schemas.microsoft.com/office/powerpoint/2010/main" val="907741873"/>
+      </p:ext>
+    </p:extLst>
+  </p:cSld>
+  <p:clrMapOvr>
+    <a:masterClrMapping/>
+  </p:clrMapOvr>
+</p:sld>
+</file>
+
+<file path=ppt/slides/slide35.xml><?xml version="1.0" encoding="utf-8"?>
+<p:sld xmlns:a="http://schemas.openxmlformats.org/drawingml/2006/main" xmlns:r="http://schemas.openxmlformats.org/officeDocument/2006/relationships" xmlns:p="http://schemas.openxmlformats.org/presentationml/2006/main">
+  <p:cSld>
+    <p:spTree>
+      <p:nvGrpSpPr>
+        <p:cNvPr id="1" name=""/>
+        <p:cNvGrpSpPr/>
+        <p:nvPr/>
+      </p:nvGrpSpPr>
+      <p:grpSpPr>
+        <a:xfrm>
+          <a:off x="0" y="0"/>
+          <a:ext cx="0" cy="0"/>
+          <a:chOff x="0" y="0"/>
+          <a:chExt cx="0" cy="0"/>
+        </a:xfrm>
+      </p:grpSpPr>
+      <p:sp>
+        <p:nvSpPr>
+          <p:cNvPr id="2" name="Titre 1">
+            <a:extLst>
+              <a:ext uri="{FF2B5EF4-FFF2-40B4-BE49-F238E27FC236}">
+                <a16:creationId xmlns:a16="http://schemas.microsoft.com/office/drawing/2014/main" id="{9BD65931-EF87-4A3D-9BF6-1D5FE5C896D2}"/>
+              </a:ext>
+            </a:extLst>
+          </p:cNvPr>
+          <p:cNvSpPr>
+            <a:spLocks noGrp="1"/>
+          </p:cNvSpPr>
+          <p:nvPr>
+            <p:ph type="title"/>
+          </p:nvPr>
+        </p:nvSpPr>
+        <p:spPr/>
+        <p:txBody>
+          <a:bodyPr/>
+          <a:lstStyle/>
+          <a:p>
+            <a:r>
+              <a:rPr lang="fr-FR" dirty="0"/>
+              <a:t>Questions ?</a:t>
+            </a:r>
+          </a:p>
+        </p:txBody>
+      </p:sp>
+      <p:sp>
+        <p:nvSpPr>
+          <p:cNvPr id="3" name="Espace réservé du texte 2">
+            <a:extLst>
+              <a:ext uri="{FF2B5EF4-FFF2-40B4-BE49-F238E27FC236}">
+                <a16:creationId xmlns:a16="http://schemas.microsoft.com/office/drawing/2014/main" id="{0945F1B5-F960-4E40-BB63-8F5B0C01D94D}"/>
+              </a:ext>
+            </a:extLst>
+          </p:cNvPr>
+          <p:cNvSpPr>
+            <a:spLocks noGrp="1"/>
+          </p:cNvSpPr>
+          <p:nvPr>
+            <p:ph type="body" idx="1"/>
+          </p:nvPr>
+        </p:nvSpPr>
+        <p:spPr/>
+        <p:txBody>
+          <a:bodyPr/>
+          <a:lstStyle/>
+          <a:p>
+            <a:endParaRPr lang="fr-FR"/>
+          </a:p>
+        </p:txBody>
+      </p:sp>
+    </p:spTree>
+    <p:extLst>
+      <p:ext uri="{BB962C8B-B14F-4D97-AF65-F5344CB8AC3E}">
+        <p14:creationId xmlns:p14="http://schemas.microsoft.com/office/powerpoint/2010/main" val="2143786074"/>
+      </p:ext>
+    </p:extLst>
+  </p:cSld>
+  <p:clrMapOvr>
+    <a:masterClrMapping/>
+  </p:clrMapOvr>
+</p:sld>
+</file>
+
+<file path=ppt/slides/slide36.xml><?xml version="1.0" encoding="utf-8"?>
+<p:sld xmlns:a="http://schemas.openxmlformats.org/drawingml/2006/main" xmlns:r="http://schemas.openxmlformats.org/officeDocument/2006/relationships" xmlns:p="http://schemas.openxmlformats.org/presentationml/2006/main">
+  <p:cSld>
+    <p:spTree>
+      <p:nvGrpSpPr>
+        <p:cNvPr id="1" name=""/>
+        <p:cNvGrpSpPr/>
+        <p:nvPr/>
+      </p:nvGrpSpPr>
+      <p:grpSpPr>
+        <a:xfrm>
+          <a:off x="0" y="0"/>
+          <a:ext cx="0" cy="0"/>
+          <a:chOff x="0" y="0"/>
+          <a:chExt cx="0" cy="0"/>
+        </a:xfrm>
+      </p:grpSpPr>
+      <p:sp>
+        <p:nvSpPr>
+          <p:cNvPr id="2" name="Titre 1">
+            <a:extLst>
+              <a:ext uri="{FF2B5EF4-FFF2-40B4-BE49-F238E27FC236}">
                 <a16:creationId xmlns:a16="http://schemas.microsoft.com/office/drawing/2014/main" id="{9D409D55-EE6E-4AA3-BB2C-2C56DE160070}"/>
               </a:ext>
             </a:extLst>
@@ -6743,9 +8252,27 @@
               <a:rPr lang="fr-FR" dirty="0" err="1"/>
               <a:t>Pairings</a:t>
             </a:r>
-            <a:r>
-              <a:rPr lang="fr-FR" dirty="0"/>
-              <a:t> : Type 1,2,3</a:t>
+            <a:endParaRPr lang="fr-FR" dirty="0"/>
+          </a:p>
+          <a:p>
+            <a:pPr lvl="1"/>
+            <a:r>
+              <a:rPr lang="fr-FR" dirty="0"/>
+              <a:t> Type 1</a:t>
+            </a:r>
+          </a:p>
+          <a:p>
+            <a:pPr lvl="1"/>
+            <a:r>
+              <a:rPr lang="fr-FR" dirty="0"/>
+              <a:t>,2</a:t>
+            </a:r>
+          </a:p>
+          <a:p>
+            <a:pPr lvl="1"/>
+            <a:r>
+              <a:rPr lang="fr-FR" dirty="0"/>
+              <a:t>,3</a:t>
             </a:r>
           </a:p>
           <a:p>
@@ -6955,6 +8482,13 @@
             </a:r>
           </a:p>
           <a:p>
+            <a:pPr lvl="1"/>
+            <a:r>
+              <a:rPr lang="fr-FR" dirty="0"/>
+              <a:t>Pris en charge dans les clients mails</a:t>
+            </a:r>
+          </a:p>
+          <a:p>
             <a:endParaRPr lang="fr-FR" dirty="0"/>
           </a:p>
           <a:p>
@@ -6968,6 +8502,20 @@
             <a:r>
               <a:rPr lang="fr-FR" dirty="0"/>
               <a:t>Utilisation compliquée pour les particuliers</a:t>
+            </a:r>
+          </a:p>
+          <a:p>
+            <a:pPr lvl="1"/>
+            <a:r>
+              <a:rPr lang="fr-FR" dirty="0"/>
+              <a:t>Certificats lourds impliquant beaucoup de taille</a:t>
+            </a:r>
+          </a:p>
+          <a:p>
+            <a:pPr lvl="1"/>
+            <a:r>
+              <a:rPr lang="fr-FR" dirty="0"/>
+              <a:t>Pour une sécurité accrue besoin d’un budget</a:t>
             </a:r>
           </a:p>
         </p:txBody>
@@ -7064,26 +8612,77 @@
               <a:t>Faible </a:t>
             </a:r>
             <a:r>
-              <a:rPr lang="fr-FR" dirty="0" err="1"/>
+              <a:rPr lang="fr-FR" i="1" dirty="0" err="1"/>
               <a:t>overhead</a:t>
             </a:r>
-            <a:r>
-              <a:rPr lang="fr-FR" dirty="0"/>
+            <a:endParaRPr lang="fr-FR" i="1" dirty="0"/>
+          </a:p>
+          <a:p>
+            <a:pPr lvl="1"/>
+            <a:r>
+              <a:rPr lang="fr-FR" dirty="0"/>
+              <a:t>Sécurité forte</a:t>
+            </a:r>
+          </a:p>
+          <a:p>
+            <a:pPr lvl="1"/>
+            <a:r>
+              <a:rPr lang="fr-FR" dirty="0"/>
+              <a:t>Gratuit</a:t>
+            </a:r>
+          </a:p>
+          <a:p>
+            <a:pPr lvl="1"/>
+            <a:r>
+              <a:rPr lang="fr-FR" dirty="0"/>
+              <a:t>Utilisation plus globale</a:t>
+            </a:r>
+          </a:p>
+          <a:p>
+            <a:pPr marL="0" indent="0">
+              <a:buNone/>
+            </a:pPr>
+            <a:endParaRPr lang="fr-FR" dirty="0"/>
+          </a:p>
+          <a:p>
+            <a:r>
+              <a:rPr lang="fr-FR" dirty="0"/>
+              <a:t>Défauts</a:t>
+            </a:r>
+          </a:p>
+          <a:p>
+            <a:pPr lvl="1"/>
+            <a:r>
+              <a:rPr lang="fr-FR" dirty="0"/>
+              <a:t>Difficulté d’utilisation</a:t>
+            </a:r>
+          </a:p>
+          <a:p>
+            <a:pPr lvl="1"/>
+            <a:r>
+              <a:rPr lang="fr-FR" dirty="0"/>
+              <a:t>Fiabilité des algorithmes</a:t>
+            </a:r>
+          </a:p>
+          <a:p>
+            <a:pPr lvl="1"/>
+            <a:r>
+              <a:rPr lang="fr-FR" dirty="0"/>
+              <a:t>Pas de </a:t>
+            </a:r>
+            <a:r>
+              <a:rPr lang="fr-FR" i="1" dirty="0" err="1"/>
+              <a:t>Forward</a:t>
+            </a:r>
+            <a:r>
+              <a:rPr lang="fr-FR" i="1" dirty="0"/>
               <a:t> </a:t>
             </a:r>
-          </a:p>
-          <a:p>
-            <a:pPr lvl="1"/>
-            <a:endParaRPr lang="fr-FR" dirty="0"/>
-          </a:p>
-          <a:p>
-            <a:endParaRPr lang="fr-FR" dirty="0"/>
-          </a:p>
-          <a:p>
-            <a:r>
-              <a:rPr lang="fr-FR" dirty="0"/>
-              <a:t>Défauts</a:t>
-            </a:r>
+            <a:r>
+              <a:rPr lang="fr-FR" i="1" dirty="0" err="1"/>
+              <a:t>Secrecy</a:t>
+            </a:r>
+            <a:endParaRPr lang="fr-FR" i="1" dirty="0"/>
           </a:p>
           <a:p>
             <a:endParaRPr lang="fr-FR" dirty="0"/>
@@ -7164,7 +8763,12 @@
             <p:ph idx="1"/>
           </p:nvPr>
         </p:nvSpPr>
-        <p:spPr/>
+        <p:spPr>
+          <a:xfrm>
+            <a:off x="838200" y="2506662"/>
+            <a:ext cx="10515600" cy="4351338"/>
+          </a:xfrm>
+        </p:spPr>
         <p:txBody>
           <a:bodyPr/>
           <a:lstStyle/>
@@ -7191,6 +8795,15 @@
               <a:t>secrecy</a:t>
             </a:r>
             <a:endParaRPr lang="fr-FR" dirty="0"/>
+          </a:p>
+          <a:p>
+            <a:endParaRPr lang="fr-FR" dirty="0"/>
+          </a:p>
+          <a:p>
+            <a:r>
+              <a:rPr lang="fr-FR" dirty="0"/>
+              <a:t>Répudiation / Non-répudiation</a:t>
+            </a:r>
           </a:p>
           <a:p>
             <a:endParaRPr lang="fr-FR" dirty="0"/>
@@ -7311,6 +8924,89 @@
           </a:p>
         </p:txBody>
       </p:sp>
+      <p:pic>
+        <p:nvPicPr>
+          <p:cNvPr id="9" name="Image 8" descr="Une image contenant dessin, assiette, alimentation&#10;&#10;Description générée automatiquement">
+            <a:extLst>
+              <a:ext uri="{FF2B5EF4-FFF2-40B4-BE49-F238E27FC236}">
+                <a16:creationId xmlns:a16="http://schemas.microsoft.com/office/drawing/2014/main" id="{535C9090-40E7-4199-A33D-AC8441E21A18}"/>
+              </a:ext>
+            </a:extLst>
+          </p:cNvPr>
+          <p:cNvPicPr>
+            <a:picLocks noChangeAspect="1"/>
+          </p:cNvPicPr>
+          <p:nvPr/>
+        </p:nvPicPr>
+        <p:blipFill>
+          <a:blip r:embed="rId3">
+            <a:extLst>
+              <a:ext uri="{28A0092B-C50C-407E-A947-70E740481C1C}">
+                <a14:useLocalDpi xmlns:a14="http://schemas.microsoft.com/office/drawing/2010/main" val="0"/>
+              </a:ext>
+            </a:extLst>
+          </a:blip>
+          <a:stretch>
+            <a:fillRect/>
+          </a:stretch>
+        </p:blipFill>
+        <p:spPr>
+          <a:xfrm>
+            <a:off x="5307114" y="2158743"/>
+            <a:ext cx="3819525" cy="619125"/>
+          </a:xfrm>
+          <a:prstGeom prst="rect">
+            <a:avLst/>
+          </a:prstGeom>
+        </p:spPr>
+      </p:pic>
+      <p:pic>
+        <p:nvPicPr>
+          <p:cNvPr id="1026" name="Picture 2" descr="Tutanota, la messagerie chiffrée de bout en bout">
+            <a:extLst>
+              <a:ext uri="{FF2B5EF4-FFF2-40B4-BE49-F238E27FC236}">
+                <a16:creationId xmlns:a16="http://schemas.microsoft.com/office/drawing/2014/main" id="{D70D0041-118B-440B-BAD1-D5E08F09F2B6}"/>
+              </a:ext>
+            </a:extLst>
+          </p:cNvPr>
+          <p:cNvPicPr>
+            <a:picLocks noChangeAspect="1" noChangeArrowheads="1"/>
+          </p:cNvPicPr>
+          <p:nvPr/>
+        </p:nvPicPr>
+        <p:blipFill>
+          <a:blip r:embed="rId4">
+            <a:extLst>
+              <a:ext uri="{28A0092B-C50C-407E-A947-70E740481C1C}">
+                <a14:useLocalDpi xmlns:a14="http://schemas.microsoft.com/office/drawing/2010/main" val="0"/>
+              </a:ext>
+            </a:extLst>
+          </a:blip>
+          <a:srcRect/>
+          <a:stretch>
+            <a:fillRect/>
+          </a:stretch>
+        </p:blipFill>
+        <p:spPr bwMode="auto">
+          <a:xfrm>
+            <a:off x="5966337" y="4211279"/>
+            <a:ext cx="2933700" cy="1562100"/>
+          </a:xfrm>
+          <a:prstGeom prst="rect">
+            <a:avLst/>
+          </a:prstGeom>
+          <a:noFill/>
+          <a:extLst>
+            <a:ext uri="{909E8E84-426E-40DD-AFC4-6F175D3DCCD1}">
+              <a14:hiddenFill xmlns:a14="http://schemas.microsoft.com/office/drawing/2010/main">
+                <a:solidFill>
+                  <a:srgbClr val="FFFFFF"/>
+                </a:solidFill>
+              </a14:hiddenFill>
+            </a:ext>
+          </a:extLst>
+        </p:spPr>
+      </p:pic>
     </p:spTree>
     <p:extLst>
       <p:ext uri="{BB962C8B-B14F-4D97-AF65-F5344CB8AC3E}">
@@ -7385,7 +9081,12 @@
             <p:ph idx="1"/>
           </p:nvPr>
         </p:nvSpPr>
-        <p:spPr/>
+        <p:spPr>
+          <a:xfrm>
+            <a:off x="838200" y="2340829"/>
+            <a:ext cx="10515600" cy="4351338"/>
+          </a:xfrm>
+        </p:spPr>
         <p:txBody>
           <a:bodyPr/>
           <a:lstStyle/>
@@ -7420,6 +9121,53 @@
           </a:p>
         </p:txBody>
       </p:sp>
+      <p:pic>
+        <p:nvPicPr>
+          <p:cNvPr id="1026" name="Picture 2" descr="Résultat de recherche d'images pour &quot;EFAIL&quot;">
+            <a:extLst>
+              <a:ext uri="{FF2B5EF4-FFF2-40B4-BE49-F238E27FC236}">
+                <a16:creationId xmlns:a16="http://schemas.microsoft.com/office/drawing/2014/main" id="{7285059E-1B58-48D3-B5B2-EEFEE2E47308}"/>
+              </a:ext>
+            </a:extLst>
+          </p:cNvPr>
+          <p:cNvPicPr>
+            <a:picLocks noChangeAspect="1" noChangeArrowheads="1"/>
+          </p:cNvPicPr>
+          <p:nvPr/>
+        </p:nvPicPr>
+        <p:blipFill>
+          <a:blip r:embed="rId3">
+            <a:extLst>
+              <a:ext uri="{28A0092B-C50C-407E-A947-70E740481C1C}">
+                <a14:useLocalDpi xmlns:a14="http://schemas.microsoft.com/office/drawing/2010/main" val="0"/>
+              </a:ext>
+            </a:extLst>
+          </a:blip>
+          <a:srcRect/>
+          <a:stretch>
+            <a:fillRect/>
+          </a:stretch>
+        </p:blipFill>
+        <p:spPr bwMode="auto">
+          <a:xfrm>
+            <a:off x="7545336" y="2322488"/>
+            <a:ext cx="1771650" cy="1771650"/>
+          </a:xfrm>
+          <a:prstGeom prst="rect">
+            <a:avLst/>
+          </a:prstGeom>
+          <a:noFill/>
+          <a:extLst>
+            <a:ext uri="{909E8E84-426E-40DD-AFC4-6F175D3DCCD1}">
+              <a14:hiddenFill xmlns:a14="http://schemas.microsoft.com/office/drawing/2010/main">
+                <a:solidFill>
+                  <a:srgbClr val="FFFFFF"/>
+                </a:solidFill>
+              </a14:hiddenFill>
+            </a:ext>
+          </a:extLst>
+        </p:spPr>
+      </p:pic>
     </p:spTree>
     <p:extLst>
       <p:ext uri="{BB962C8B-B14F-4D97-AF65-F5344CB8AC3E}">
